--- a/誰曾應許.pptx
+++ b/誰曾應許.pptx
@@ -2,7 +2,7 @@
 <file path=ppt/presentation.xml><?xml version="1.0" encoding="utf-8"?>
 <p:presentation xmlns:a="http://schemas.openxmlformats.org/drawingml/2006/main" xmlns:r="http://schemas.openxmlformats.org/officeDocument/2006/relationships" xmlns:p="http://schemas.openxmlformats.org/presentationml/2006/main" saveSubsetFonts="1">
   <p:sldMasterIdLst>
-    <p:sldMasterId id="2147483648" r:id="rId1"/>
+    <p:sldMasterId id="2147483660" r:id="rId1"/>
   </p:sldMasterIdLst>
   <p:sldIdLst>
     <p:sldId id="257" r:id="rId2"/>
@@ -113,7 +113,7 @@
 
 <file path=ppt/slideLayouts/slideLayout1.xml><?xml version="1.0" encoding="utf-8"?>
 <p:sldLayout xmlns:a="http://schemas.openxmlformats.org/drawingml/2006/main" xmlns:r="http://schemas.openxmlformats.org/officeDocument/2006/relationships" xmlns:p="http://schemas.openxmlformats.org/presentationml/2006/main" type="title" preserve="1">
-  <p:cSld name="Title Slide">
+  <p:cSld name="標題投影片">
     <p:spTree>
       <p:nvGrpSpPr>
         <p:cNvPr id="1" name=""/>
@@ -130,7 +130,7 @@
       </p:grpSpPr>
       <p:sp>
         <p:nvSpPr>
-          <p:cNvPr id="2" name="Title 1"/>
+          <p:cNvPr id="2" name="標題 1"/>
           <p:cNvSpPr>
             <a:spLocks noGrp="1"/>
           </p:cNvSpPr>
@@ -149,16 +149,16 @@
           <a:lstStyle/>
           <a:p>
             <a:r>
-              <a:rPr lang="en-US" smtClean="0"/>
-              <a:t>Click to edit Master title style</a:t>
-            </a:r>
-            <a:endParaRPr lang="en-US"/>
-          </a:p>
-        </p:txBody>
-      </p:sp>
-      <p:sp>
-        <p:nvSpPr>
-          <p:cNvPr id="3" name="Subtitle 2"/>
+              <a:rPr lang="zh-TW" altLang="en-US" smtClean="0"/>
+              <a:t>按一下以編輯母片標題樣式</a:t>
+            </a:r>
+            <a:endParaRPr lang="zh-TW" altLang="en-US"/>
+          </a:p>
+        </p:txBody>
+      </p:sp>
+      <p:sp>
+        <p:nvSpPr>
+          <p:cNvPr id="3" name="副標題 2"/>
           <p:cNvSpPr>
             <a:spLocks noGrp="1"/>
           </p:cNvSpPr>
@@ -268,16 +268,16 @@
           </a:lstStyle>
           <a:p>
             <a:r>
-              <a:rPr lang="en-US" smtClean="0"/>
-              <a:t>Click to edit Master subtitle style</a:t>
-            </a:r>
-            <a:endParaRPr lang="en-US"/>
-          </a:p>
-        </p:txBody>
-      </p:sp>
-      <p:sp>
-        <p:nvSpPr>
-          <p:cNvPr id="4" name="Date Placeholder 3"/>
+              <a:rPr lang="zh-TW" altLang="en-US" smtClean="0"/>
+              <a:t>按一下以編輯母片副標題樣式</a:t>
+            </a:r>
+            <a:endParaRPr lang="zh-TW" altLang="en-US"/>
+          </a:p>
+        </p:txBody>
+      </p:sp>
+      <p:sp>
+        <p:nvSpPr>
+          <p:cNvPr id="4" name="日期版面配置區 3"/>
           <p:cNvSpPr>
             <a:spLocks noGrp="1"/>
           </p:cNvSpPr>
@@ -292,7 +292,8 @@
           <a:p>
             <a:fld id="{434AC38D-EE3B-4EDB-A3F3-E8DB5FCDF8C7}" type="datetimeFigureOut">
               <a:rPr lang="en-US" smtClean="0"/>
-              <a:t>1/8/2019</a:t>
+              <a:pPr/>
+              <a:t>2/16/2019</a:t>
             </a:fld>
             <a:endParaRPr lang="en-US"/>
           </a:p>
@@ -300,7 +301,7 @@
       </p:sp>
       <p:sp>
         <p:nvSpPr>
-          <p:cNvPr id="5" name="Footer Placeholder 4"/>
+          <p:cNvPr id="5" name="頁尾版面配置區 4"/>
           <p:cNvSpPr>
             <a:spLocks noGrp="1"/>
           </p:cNvSpPr>
@@ -319,7 +320,7 @@
       </p:sp>
       <p:sp>
         <p:nvSpPr>
-          <p:cNvPr id="6" name="Slide Number Placeholder 5"/>
+          <p:cNvPr id="6" name="投影片編號版面配置區 5"/>
           <p:cNvSpPr>
             <a:spLocks noGrp="1"/>
           </p:cNvSpPr>
@@ -334,6 +335,7 @@
           <a:p>
             <a:fld id="{867DC721-6751-4F86-83A9-37C52C88ECF9}" type="slidenum">
               <a:rPr lang="en-US" smtClean="0"/>
+              <a:pPr/>
               <a:t>‹#›</a:t>
             </a:fld>
             <a:endParaRPr lang="en-US"/>
@@ -341,11 +343,6 @@
         </p:txBody>
       </p:sp>
     </p:spTree>
-    <p:extLst>
-      <p:ext uri="{BB962C8B-B14F-4D97-AF65-F5344CB8AC3E}">
-        <p14:creationId xmlns:p14="http://schemas.microsoft.com/office/powerpoint/2010/main" val="2920300405"/>
-      </p:ext>
-    </p:extLst>
   </p:cSld>
   <p:clrMapOvr>
     <a:masterClrMapping/>
@@ -355,7 +352,7 @@
 
 <file path=ppt/slideLayouts/slideLayout10.xml><?xml version="1.0" encoding="utf-8"?>
 <p:sldLayout xmlns:a="http://schemas.openxmlformats.org/drawingml/2006/main" xmlns:r="http://schemas.openxmlformats.org/officeDocument/2006/relationships" xmlns:p="http://schemas.openxmlformats.org/presentationml/2006/main" type="vertTx" preserve="1">
-  <p:cSld name="Title and Vertical Text">
+  <p:cSld name="標題及直排文字">
     <p:spTree>
       <p:nvGrpSpPr>
         <p:cNvPr id="1" name=""/>
@@ -372,7 +369,7 @@
       </p:grpSpPr>
       <p:sp>
         <p:nvSpPr>
-          <p:cNvPr id="2" name="Title 1"/>
+          <p:cNvPr id="2" name="標題 1"/>
           <p:cNvSpPr>
             <a:spLocks noGrp="1"/>
           </p:cNvSpPr>
@@ -386,16 +383,16 @@
           <a:lstStyle/>
           <a:p>
             <a:r>
-              <a:rPr lang="en-US" smtClean="0"/>
-              <a:t>Click to edit Master title style</a:t>
-            </a:r>
-            <a:endParaRPr lang="en-US"/>
-          </a:p>
-        </p:txBody>
-      </p:sp>
-      <p:sp>
-        <p:nvSpPr>
-          <p:cNvPr id="3" name="Vertical Text Placeholder 2"/>
+              <a:rPr lang="zh-TW" altLang="en-US" smtClean="0"/>
+              <a:t>按一下以編輯母片標題樣式</a:t>
+            </a:r>
+            <a:endParaRPr lang="zh-TW" altLang="en-US"/>
+          </a:p>
+        </p:txBody>
+      </p:sp>
+      <p:sp>
+        <p:nvSpPr>
+          <p:cNvPr id="3" name="直排文字版面配置區 2"/>
           <p:cNvSpPr>
             <a:spLocks noGrp="1"/>
           </p:cNvSpPr>
@@ -410,44 +407,44 @@
           <a:p>
             <a:pPr lvl="0"/>
             <a:r>
-              <a:rPr lang="en-US" smtClean="0"/>
-              <a:t>Click to edit Master text styles</a:t>
+              <a:rPr lang="zh-TW" altLang="en-US" smtClean="0"/>
+              <a:t>按一下以編輯母片文字樣式</a:t>
             </a:r>
           </a:p>
           <a:p>
             <a:pPr lvl="1"/>
             <a:r>
-              <a:rPr lang="en-US" smtClean="0"/>
-              <a:t>Second level</a:t>
+              <a:rPr lang="zh-TW" altLang="en-US" smtClean="0"/>
+              <a:t>第二層</a:t>
             </a:r>
           </a:p>
           <a:p>
             <a:pPr lvl="2"/>
             <a:r>
-              <a:rPr lang="en-US" smtClean="0"/>
-              <a:t>Third level</a:t>
+              <a:rPr lang="zh-TW" altLang="en-US" smtClean="0"/>
+              <a:t>第三層</a:t>
             </a:r>
           </a:p>
           <a:p>
             <a:pPr lvl="3"/>
             <a:r>
-              <a:rPr lang="en-US" smtClean="0"/>
-              <a:t>Fourth level</a:t>
+              <a:rPr lang="zh-TW" altLang="en-US" smtClean="0"/>
+              <a:t>第四層</a:t>
             </a:r>
           </a:p>
           <a:p>
             <a:pPr lvl="4"/>
             <a:r>
-              <a:rPr lang="en-US" smtClean="0"/>
-              <a:t>Fifth level</a:t>
-            </a:r>
-            <a:endParaRPr lang="en-US"/>
-          </a:p>
-        </p:txBody>
-      </p:sp>
-      <p:sp>
-        <p:nvSpPr>
-          <p:cNvPr id="4" name="Date Placeholder 3"/>
+              <a:rPr lang="zh-TW" altLang="en-US" smtClean="0"/>
+              <a:t>第五層</a:t>
+            </a:r>
+            <a:endParaRPr lang="zh-TW" altLang="en-US"/>
+          </a:p>
+        </p:txBody>
+      </p:sp>
+      <p:sp>
+        <p:nvSpPr>
+          <p:cNvPr id="4" name="日期版面配置區 3"/>
           <p:cNvSpPr>
             <a:spLocks noGrp="1"/>
           </p:cNvSpPr>
@@ -462,7 +459,8 @@
           <a:p>
             <a:fld id="{434AC38D-EE3B-4EDB-A3F3-E8DB5FCDF8C7}" type="datetimeFigureOut">
               <a:rPr lang="en-US" smtClean="0"/>
-              <a:t>1/8/2019</a:t>
+              <a:pPr/>
+              <a:t>2/16/2019</a:t>
             </a:fld>
             <a:endParaRPr lang="en-US"/>
           </a:p>
@@ -470,7 +468,7 @@
       </p:sp>
       <p:sp>
         <p:nvSpPr>
-          <p:cNvPr id="5" name="Footer Placeholder 4"/>
+          <p:cNvPr id="5" name="頁尾版面配置區 4"/>
           <p:cNvSpPr>
             <a:spLocks noGrp="1"/>
           </p:cNvSpPr>
@@ -489,7 +487,7 @@
       </p:sp>
       <p:sp>
         <p:nvSpPr>
-          <p:cNvPr id="6" name="Slide Number Placeholder 5"/>
+          <p:cNvPr id="6" name="投影片編號版面配置區 5"/>
           <p:cNvSpPr>
             <a:spLocks noGrp="1"/>
           </p:cNvSpPr>
@@ -504,6 +502,7 @@
           <a:p>
             <a:fld id="{867DC721-6751-4F86-83A9-37C52C88ECF9}" type="slidenum">
               <a:rPr lang="en-US" smtClean="0"/>
+              <a:pPr/>
               <a:t>‹#›</a:t>
             </a:fld>
             <a:endParaRPr lang="en-US"/>
@@ -511,11 +510,6 @@
         </p:txBody>
       </p:sp>
     </p:spTree>
-    <p:extLst>
-      <p:ext uri="{BB962C8B-B14F-4D97-AF65-F5344CB8AC3E}">
-        <p14:creationId xmlns:p14="http://schemas.microsoft.com/office/powerpoint/2010/main" val="1953921598"/>
-      </p:ext>
-    </p:extLst>
   </p:cSld>
   <p:clrMapOvr>
     <a:masterClrMapping/>
@@ -525,7 +519,7 @@
 
 <file path=ppt/slideLayouts/slideLayout11.xml><?xml version="1.0" encoding="utf-8"?>
 <p:sldLayout xmlns:a="http://schemas.openxmlformats.org/drawingml/2006/main" xmlns:r="http://schemas.openxmlformats.org/officeDocument/2006/relationships" xmlns:p="http://schemas.openxmlformats.org/presentationml/2006/main" type="vertTitleAndTx" preserve="1">
-  <p:cSld name="Vertical Title and Text">
+  <p:cSld name="直排標題及文字">
     <p:spTree>
       <p:nvGrpSpPr>
         <p:cNvPr id="1" name=""/>
@@ -542,7 +536,7 @@
       </p:grpSpPr>
       <p:sp>
         <p:nvSpPr>
-          <p:cNvPr id="2" name="Vertical Title 1"/>
+          <p:cNvPr id="2" name="直排標題 1"/>
           <p:cNvSpPr>
             <a:spLocks noGrp="1"/>
           </p:cNvSpPr>
@@ -561,16 +555,16 @@
           <a:lstStyle/>
           <a:p>
             <a:r>
-              <a:rPr lang="en-US" smtClean="0"/>
-              <a:t>Click to edit Master title style</a:t>
-            </a:r>
-            <a:endParaRPr lang="en-US"/>
-          </a:p>
-        </p:txBody>
-      </p:sp>
-      <p:sp>
-        <p:nvSpPr>
-          <p:cNvPr id="3" name="Vertical Text Placeholder 2"/>
+              <a:rPr lang="zh-TW" altLang="en-US" smtClean="0"/>
+              <a:t>按一下以編輯母片標題樣式</a:t>
+            </a:r>
+            <a:endParaRPr lang="zh-TW" altLang="en-US"/>
+          </a:p>
+        </p:txBody>
+      </p:sp>
+      <p:sp>
+        <p:nvSpPr>
+          <p:cNvPr id="3" name="直排文字版面配置區 2"/>
           <p:cNvSpPr>
             <a:spLocks noGrp="1"/>
           </p:cNvSpPr>
@@ -590,44 +584,44 @@
           <a:p>
             <a:pPr lvl="0"/>
             <a:r>
-              <a:rPr lang="en-US" smtClean="0"/>
-              <a:t>Click to edit Master text styles</a:t>
+              <a:rPr lang="zh-TW" altLang="en-US" smtClean="0"/>
+              <a:t>按一下以編輯母片文字樣式</a:t>
             </a:r>
           </a:p>
           <a:p>
             <a:pPr lvl="1"/>
             <a:r>
-              <a:rPr lang="en-US" smtClean="0"/>
-              <a:t>Second level</a:t>
+              <a:rPr lang="zh-TW" altLang="en-US" smtClean="0"/>
+              <a:t>第二層</a:t>
             </a:r>
           </a:p>
           <a:p>
             <a:pPr lvl="2"/>
             <a:r>
-              <a:rPr lang="en-US" smtClean="0"/>
-              <a:t>Third level</a:t>
+              <a:rPr lang="zh-TW" altLang="en-US" smtClean="0"/>
+              <a:t>第三層</a:t>
             </a:r>
           </a:p>
           <a:p>
             <a:pPr lvl="3"/>
             <a:r>
-              <a:rPr lang="en-US" smtClean="0"/>
-              <a:t>Fourth level</a:t>
+              <a:rPr lang="zh-TW" altLang="en-US" smtClean="0"/>
+              <a:t>第四層</a:t>
             </a:r>
           </a:p>
           <a:p>
             <a:pPr lvl="4"/>
             <a:r>
-              <a:rPr lang="en-US" smtClean="0"/>
-              <a:t>Fifth level</a:t>
-            </a:r>
-            <a:endParaRPr lang="en-US"/>
-          </a:p>
-        </p:txBody>
-      </p:sp>
-      <p:sp>
-        <p:nvSpPr>
-          <p:cNvPr id="4" name="Date Placeholder 3"/>
+              <a:rPr lang="zh-TW" altLang="en-US" smtClean="0"/>
+              <a:t>第五層</a:t>
+            </a:r>
+            <a:endParaRPr lang="zh-TW" altLang="en-US"/>
+          </a:p>
+        </p:txBody>
+      </p:sp>
+      <p:sp>
+        <p:nvSpPr>
+          <p:cNvPr id="4" name="日期版面配置區 3"/>
           <p:cNvSpPr>
             <a:spLocks noGrp="1"/>
           </p:cNvSpPr>
@@ -642,7 +636,8 @@
           <a:p>
             <a:fld id="{434AC38D-EE3B-4EDB-A3F3-E8DB5FCDF8C7}" type="datetimeFigureOut">
               <a:rPr lang="en-US" smtClean="0"/>
-              <a:t>1/8/2019</a:t>
+              <a:pPr/>
+              <a:t>2/16/2019</a:t>
             </a:fld>
             <a:endParaRPr lang="en-US"/>
           </a:p>
@@ -650,7 +645,7 @@
       </p:sp>
       <p:sp>
         <p:nvSpPr>
-          <p:cNvPr id="5" name="Footer Placeholder 4"/>
+          <p:cNvPr id="5" name="頁尾版面配置區 4"/>
           <p:cNvSpPr>
             <a:spLocks noGrp="1"/>
           </p:cNvSpPr>
@@ -669,7 +664,7 @@
       </p:sp>
       <p:sp>
         <p:nvSpPr>
-          <p:cNvPr id="6" name="Slide Number Placeholder 5"/>
+          <p:cNvPr id="6" name="投影片編號版面配置區 5"/>
           <p:cNvSpPr>
             <a:spLocks noGrp="1"/>
           </p:cNvSpPr>
@@ -684,6 +679,7 @@
           <a:p>
             <a:fld id="{867DC721-6751-4F86-83A9-37C52C88ECF9}" type="slidenum">
               <a:rPr lang="en-US" smtClean="0"/>
+              <a:pPr/>
               <a:t>‹#›</a:t>
             </a:fld>
             <a:endParaRPr lang="en-US"/>
@@ -691,11 +687,6 @@
         </p:txBody>
       </p:sp>
     </p:spTree>
-    <p:extLst>
-      <p:ext uri="{BB962C8B-B14F-4D97-AF65-F5344CB8AC3E}">
-        <p14:creationId xmlns:p14="http://schemas.microsoft.com/office/powerpoint/2010/main" val="795563762"/>
-      </p:ext>
-    </p:extLst>
   </p:cSld>
   <p:clrMapOvr>
     <a:masterClrMapping/>
@@ -705,7 +696,7 @@
 
 <file path=ppt/slideLayouts/slideLayout2.xml><?xml version="1.0" encoding="utf-8"?>
 <p:sldLayout xmlns:a="http://schemas.openxmlformats.org/drawingml/2006/main" xmlns:r="http://schemas.openxmlformats.org/officeDocument/2006/relationships" xmlns:p="http://schemas.openxmlformats.org/presentationml/2006/main" type="obj" preserve="1">
-  <p:cSld name="Title and Content">
+  <p:cSld name="標題及物件">
     <p:spTree>
       <p:nvGrpSpPr>
         <p:cNvPr id="1" name=""/>
@@ -722,7 +713,7 @@
       </p:grpSpPr>
       <p:sp>
         <p:nvSpPr>
-          <p:cNvPr id="2" name="Title 1"/>
+          <p:cNvPr id="2" name="標題 1"/>
           <p:cNvSpPr>
             <a:spLocks noGrp="1"/>
           </p:cNvSpPr>
@@ -736,16 +727,16 @@
           <a:lstStyle/>
           <a:p>
             <a:r>
-              <a:rPr lang="en-US" smtClean="0"/>
-              <a:t>Click to edit Master title style</a:t>
-            </a:r>
-            <a:endParaRPr lang="en-US"/>
-          </a:p>
-        </p:txBody>
-      </p:sp>
-      <p:sp>
-        <p:nvSpPr>
-          <p:cNvPr id="3" name="Content Placeholder 2"/>
+              <a:rPr lang="zh-TW" altLang="en-US" smtClean="0"/>
+              <a:t>按一下以編輯母片標題樣式</a:t>
+            </a:r>
+            <a:endParaRPr lang="zh-TW" altLang="en-US"/>
+          </a:p>
+        </p:txBody>
+      </p:sp>
+      <p:sp>
+        <p:nvSpPr>
+          <p:cNvPr id="3" name="內容版面配置區 2"/>
           <p:cNvSpPr>
             <a:spLocks noGrp="1"/>
           </p:cNvSpPr>
@@ -760,44 +751,44 @@
           <a:p>
             <a:pPr lvl="0"/>
             <a:r>
-              <a:rPr lang="en-US" smtClean="0"/>
-              <a:t>Click to edit Master text styles</a:t>
+              <a:rPr lang="zh-TW" altLang="en-US" smtClean="0"/>
+              <a:t>按一下以編輯母片文字樣式</a:t>
             </a:r>
           </a:p>
           <a:p>
             <a:pPr lvl="1"/>
             <a:r>
-              <a:rPr lang="en-US" smtClean="0"/>
-              <a:t>Second level</a:t>
+              <a:rPr lang="zh-TW" altLang="en-US" smtClean="0"/>
+              <a:t>第二層</a:t>
             </a:r>
           </a:p>
           <a:p>
             <a:pPr lvl="2"/>
             <a:r>
-              <a:rPr lang="en-US" smtClean="0"/>
-              <a:t>Third level</a:t>
+              <a:rPr lang="zh-TW" altLang="en-US" smtClean="0"/>
+              <a:t>第三層</a:t>
             </a:r>
           </a:p>
           <a:p>
             <a:pPr lvl="3"/>
             <a:r>
-              <a:rPr lang="en-US" smtClean="0"/>
-              <a:t>Fourth level</a:t>
+              <a:rPr lang="zh-TW" altLang="en-US" smtClean="0"/>
+              <a:t>第四層</a:t>
             </a:r>
           </a:p>
           <a:p>
             <a:pPr lvl="4"/>
             <a:r>
-              <a:rPr lang="en-US" smtClean="0"/>
-              <a:t>Fifth level</a:t>
-            </a:r>
-            <a:endParaRPr lang="en-US"/>
-          </a:p>
-        </p:txBody>
-      </p:sp>
-      <p:sp>
-        <p:nvSpPr>
-          <p:cNvPr id="4" name="Date Placeholder 3"/>
+              <a:rPr lang="zh-TW" altLang="en-US" smtClean="0"/>
+              <a:t>第五層</a:t>
+            </a:r>
+            <a:endParaRPr lang="zh-TW" altLang="en-US"/>
+          </a:p>
+        </p:txBody>
+      </p:sp>
+      <p:sp>
+        <p:nvSpPr>
+          <p:cNvPr id="4" name="日期版面配置區 3"/>
           <p:cNvSpPr>
             <a:spLocks noGrp="1"/>
           </p:cNvSpPr>
@@ -812,7 +803,8 @@
           <a:p>
             <a:fld id="{434AC38D-EE3B-4EDB-A3F3-E8DB5FCDF8C7}" type="datetimeFigureOut">
               <a:rPr lang="en-US" smtClean="0"/>
-              <a:t>1/8/2019</a:t>
+              <a:pPr/>
+              <a:t>2/16/2019</a:t>
             </a:fld>
             <a:endParaRPr lang="en-US"/>
           </a:p>
@@ -820,7 +812,7 @@
       </p:sp>
       <p:sp>
         <p:nvSpPr>
-          <p:cNvPr id="5" name="Footer Placeholder 4"/>
+          <p:cNvPr id="5" name="頁尾版面配置區 4"/>
           <p:cNvSpPr>
             <a:spLocks noGrp="1"/>
           </p:cNvSpPr>
@@ -839,7 +831,7 @@
       </p:sp>
       <p:sp>
         <p:nvSpPr>
-          <p:cNvPr id="6" name="Slide Number Placeholder 5"/>
+          <p:cNvPr id="6" name="投影片編號版面配置區 5"/>
           <p:cNvSpPr>
             <a:spLocks noGrp="1"/>
           </p:cNvSpPr>
@@ -854,6 +846,7 @@
           <a:p>
             <a:fld id="{867DC721-6751-4F86-83A9-37C52C88ECF9}" type="slidenum">
               <a:rPr lang="en-US" smtClean="0"/>
+              <a:pPr/>
               <a:t>‹#›</a:t>
             </a:fld>
             <a:endParaRPr lang="en-US"/>
@@ -861,11 +854,6 @@
         </p:txBody>
       </p:sp>
     </p:spTree>
-    <p:extLst>
-      <p:ext uri="{BB962C8B-B14F-4D97-AF65-F5344CB8AC3E}">
-        <p14:creationId xmlns:p14="http://schemas.microsoft.com/office/powerpoint/2010/main" val="1123436174"/>
-      </p:ext>
-    </p:extLst>
   </p:cSld>
   <p:clrMapOvr>
     <a:masterClrMapping/>
@@ -875,7 +863,7 @@
 
 <file path=ppt/slideLayouts/slideLayout3.xml><?xml version="1.0" encoding="utf-8"?>
 <p:sldLayout xmlns:a="http://schemas.openxmlformats.org/drawingml/2006/main" xmlns:r="http://schemas.openxmlformats.org/officeDocument/2006/relationships" xmlns:p="http://schemas.openxmlformats.org/presentationml/2006/main" type="secHead" preserve="1">
-  <p:cSld name="Section Header">
+  <p:cSld name="區段標題">
     <p:spTree>
       <p:nvGrpSpPr>
         <p:cNvPr id="1" name=""/>
@@ -892,7 +880,7 @@
       </p:grpSpPr>
       <p:sp>
         <p:nvSpPr>
-          <p:cNvPr id="2" name="Title 1"/>
+          <p:cNvPr id="2" name="標題 1"/>
           <p:cNvSpPr>
             <a:spLocks noGrp="1"/>
           </p:cNvSpPr>
@@ -915,16 +903,16 @@
           </a:lstStyle>
           <a:p>
             <a:r>
-              <a:rPr lang="en-US" smtClean="0"/>
-              <a:t>Click to edit Master title style</a:t>
-            </a:r>
-            <a:endParaRPr lang="en-US"/>
-          </a:p>
-        </p:txBody>
-      </p:sp>
-      <p:sp>
-        <p:nvSpPr>
-          <p:cNvPr id="3" name="Text Placeholder 2"/>
+              <a:rPr lang="zh-TW" altLang="en-US" smtClean="0"/>
+              <a:t>按一下以編輯母片標題樣式</a:t>
+            </a:r>
+            <a:endParaRPr lang="zh-TW" altLang="en-US"/>
+          </a:p>
+        </p:txBody>
+      </p:sp>
+      <p:sp>
+        <p:nvSpPr>
+          <p:cNvPr id="3" name="文字版面配置區 2"/>
           <p:cNvSpPr>
             <a:spLocks noGrp="1"/>
           </p:cNvSpPr>
@@ -1035,15 +1023,15 @@
           <a:p>
             <a:pPr lvl="0"/>
             <a:r>
-              <a:rPr lang="en-US" smtClean="0"/>
-              <a:t>Click to edit Master text styles</a:t>
-            </a:r>
-          </a:p>
-        </p:txBody>
-      </p:sp>
-      <p:sp>
-        <p:nvSpPr>
-          <p:cNvPr id="4" name="Date Placeholder 3"/>
+              <a:rPr lang="zh-TW" altLang="en-US" smtClean="0"/>
+              <a:t>按一下以編輯母片文字樣式</a:t>
+            </a:r>
+          </a:p>
+        </p:txBody>
+      </p:sp>
+      <p:sp>
+        <p:nvSpPr>
+          <p:cNvPr id="4" name="日期版面配置區 3"/>
           <p:cNvSpPr>
             <a:spLocks noGrp="1"/>
           </p:cNvSpPr>
@@ -1058,7 +1046,8 @@
           <a:p>
             <a:fld id="{434AC38D-EE3B-4EDB-A3F3-E8DB5FCDF8C7}" type="datetimeFigureOut">
               <a:rPr lang="en-US" smtClean="0"/>
-              <a:t>1/8/2019</a:t>
+              <a:pPr/>
+              <a:t>2/16/2019</a:t>
             </a:fld>
             <a:endParaRPr lang="en-US"/>
           </a:p>
@@ -1066,7 +1055,7 @@
       </p:sp>
       <p:sp>
         <p:nvSpPr>
-          <p:cNvPr id="5" name="Footer Placeholder 4"/>
+          <p:cNvPr id="5" name="頁尾版面配置區 4"/>
           <p:cNvSpPr>
             <a:spLocks noGrp="1"/>
           </p:cNvSpPr>
@@ -1085,7 +1074,7 @@
       </p:sp>
       <p:sp>
         <p:nvSpPr>
-          <p:cNvPr id="6" name="Slide Number Placeholder 5"/>
+          <p:cNvPr id="6" name="投影片編號版面配置區 5"/>
           <p:cNvSpPr>
             <a:spLocks noGrp="1"/>
           </p:cNvSpPr>
@@ -1100,6 +1089,7 @@
           <a:p>
             <a:fld id="{867DC721-6751-4F86-83A9-37C52C88ECF9}" type="slidenum">
               <a:rPr lang="en-US" smtClean="0"/>
+              <a:pPr/>
               <a:t>‹#›</a:t>
             </a:fld>
             <a:endParaRPr lang="en-US"/>
@@ -1107,11 +1097,6 @@
         </p:txBody>
       </p:sp>
     </p:spTree>
-    <p:extLst>
-      <p:ext uri="{BB962C8B-B14F-4D97-AF65-F5344CB8AC3E}">
-        <p14:creationId xmlns:p14="http://schemas.microsoft.com/office/powerpoint/2010/main" val="4292522363"/>
-      </p:ext>
-    </p:extLst>
   </p:cSld>
   <p:clrMapOvr>
     <a:masterClrMapping/>
@@ -1121,7 +1106,7 @@
 
 <file path=ppt/slideLayouts/slideLayout4.xml><?xml version="1.0" encoding="utf-8"?>
 <p:sldLayout xmlns:a="http://schemas.openxmlformats.org/drawingml/2006/main" xmlns:r="http://schemas.openxmlformats.org/officeDocument/2006/relationships" xmlns:p="http://schemas.openxmlformats.org/presentationml/2006/main" type="twoObj" preserve="1">
-  <p:cSld name="Two Content">
+  <p:cSld name="兩項物件">
     <p:spTree>
       <p:nvGrpSpPr>
         <p:cNvPr id="1" name=""/>
@@ -1138,7 +1123,7 @@
       </p:grpSpPr>
       <p:sp>
         <p:nvSpPr>
-          <p:cNvPr id="2" name="Title 1"/>
+          <p:cNvPr id="2" name="標題 1"/>
           <p:cNvSpPr>
             <a:spLocks noGrp="1"/>
           </p:cNvSpPr>
@@ -1152,16 +1137,16 @@
           <a:lstStyle/>
           <a:p>
             <a:r>
-              <a:rPr lang="en-US" smtClean="0"/>
-              <a:t>Click to edit Master title style</a:t>
-            </a:r>
-            <a:endParaRPr lang="en-US"/>
-          </a:p>
-        </p:txBody>
-      </p:sp>
-      <p:sp>
-        <p:nvSpPr>
-          <p:cNvPr id="3" name="Content Placeholder 2"/>
+              <a:rPr lang="zh-TW" altLang="en-US" smtClean="0"/>
+              <a:t>按一下以編輯母片標題樣式</a:t>
+            </a:r>
+            <a:endParaRPr lang="zh-TW" altLang="en-US"/>
+          </a:p>
+        </p:txBody>
+      </p:sp>
+      <p:sp>
+        <p:nvSpPr>
+          <p:cNvPr id="3" name="內容版面配置區 2"/>
           <p:cNvSpPr>
             <a:spLocks noGrp="1"/>
           </p:cNvSpPr>
@@ -1209,44 +1194,44 @@
           <a:p>
             <a:pPr lvl="0"/>
             <a:r>
-              <a:rPr lang="en-US" smtClean="0"/>
-              <a:t>Click to edit Master text styles</a:t>
+              <a:rPr lang="zh-TW" altLang="en-US" smtClean="0"/>
+              <a:t>按一下以編輯母片文字樣式</a:t>
             </a:r>
           </a:p>
           <a:p>
             <a:pPr lvl="1"/>
             <a:r>
-              <a:rPr lang="en-US" smtClean="0"/>
-              <a:t>Second level</a:t>
+              <a:rPr lang="zh-TW" altLang="en-US" smtClean="0"/>
+              <a:t>第二層</a:t>
             </a:r>
           </a:p>
           <a:p>
             <a:pPr lvl="2"/>
             <a:r>
-              <a:rPr lang="en-US" smtClean="0"/>
-              <a:t>Third level</a:t>
+              <a:rPr lang="zh-TW" altLang="en-US" smtClean="0"/>
+              <a:t>第三層</a:t>
             </a:r>
           </a:p>
           <a:p>
             <a:pPr lvl="3"/>
             <a:r>
-              <a:rPr lang="en-US" smtClean="0"/>
-              <a:t>Fourth level</a:t>
+              <a:rPr lang="zh-TW" altLang="en-US" smtClean="0"/>
+              <a:t>第四層</a:t>
             </a:r>
           </a:p>
           <a:p>
             <a:pPr lvl="4"/>
             <a:r>
-              <a:rPr lang="en-US" smtClean="0"/>
-              <a:t>Fifth level</a:t>
-            </a:r>
-            <a:endParaRPr lang="en-US"/>
-          </a:p>
-        </p:txBody>
-      </p:sp>
-      <p:sp>
-        <p:nvSpPr>
-          <p:cNvPr id="4" name="Content Placeholder 3"/>
+              <a:rPr lang="zh-TW" altLang="en-US" smtClean="0"/>
+              <a:t>第五層</a:t>
+            </a:r>
+            <a:endParaRPr lang="zh-TW" altLang="en-US"/>
+          </a:p>
+        </p:txBody>
+      </p:sp>
+      <p:sp>
+        <p:nvSpPr>
+          <p:cNvPr id="4" name="內容版面配置區 3"/>
           <p:cNvSpPr>
             <a:spLocks noGrp="1"/>
           </p:cNvSpPr>
@@ -1294,44 +1279,44 @@
           <a:p>
             <a:pPr lvl="0"/>
             <a:r>
-              <a:rPr lang="en-US" smtClean="0"/>
-              <a:t>Click to edit Master text styles</a:t>
+              <a:rPr lang="zh-TW" altLang="en-US" smtClean="0"/>
+              <a:t>按一下以編輯母片文字樣式</a:t>
             </a:r>
           </a:p>
           <a:p>
             <a:pPr lvl="1"/>
             <a:r>
-              <a:rPr lang="en-US" smtClean="0"/>
-              <a:t>Second level</a:t>
+              <a:rPr lang="zh-TW" altLang="en-US" smtClean="0"/>
+              <a:t>第二層</a:t>
             </a:r>
           </a:p>
           <a:p>
             <a:pPr lvl="2"/>
             <a:r>
-              <a:rPr lang="en-US" smtClean="0"/>
-              <a:t>Third level</a:t>
+              <a:rPr lang="zh-TW" altLang="en-US" smtClean="0"/>
+              <a:t>第三層</a:t>
             </a:r>
           </a:p>
           <a:p>
             <a:pPr lvl="3"/>
             <a:r>
-              <a:rPr lang="en-US" smtClean="0"/>
-              <a:t>Fourth level</a:t>
+              <a:rPr lang="zh-TW" altLang="en-US" smtClean="0"/>
+              <a:t>第四層</a:t>
             </a:r>
           </a:p>
           <a:p>
             <a:pPr lvl="4"/>
             <a:r>
-              <a:rPr lang="en-US" smtClean="0"/>
-              <a:t>Fifth level</a:t>
-            </a:r>
-            <a:endParaRPr lang="en-US"/>
-          </a:p>
-        </p:txBody>
-      </p:sp>
-      <p:sp>
-        <p:nvSpPr>
-          <p:cNvPr id="5" name="Date Placeholder 4"/>
+              <a:rPr lang="zh-TW" altLang="en-US" smtClean="0"/>
+              <a:t>第五層</a:t>
+            </a:r>
+            <a:endParaRPr lang="zh-TW" altLang="en-US"/>
+          </a:p>
+        </p:txBody>
+      </p:sp>
+      <p:sp>
+        <p:nvSpPr>
+          <p:cNvPr id="5" name="日期版面配置區 4"/>
           <p:cNvSpPr>
             <a:spLocks noGrp="1"/>
           </p:cNvSpPr>
@@ -1346,7 +1331,8 @@
           <a:p>
             <a:fld id="{434AC38D-EE3B-4EDB-A3F3-E8DB5FCDF8C7}" type="datetimeFigureOut">
               <a:rPr lang="en-US" smtClean="0"/>
-              <a:t>1/8/2019</a:t>
+              <a:pPr/>
+              <a:t>2/16/2019</a:t>
             </a:fld>
             <a:endParaRPr lang="en-US"/>
           </a:p>
@@ -1354,7 +1340,7 @@
       </p:sp>
       <p:sp>
         <p:nvSpPr>
-          <p:cNvPr id="6" name="Footer Placeholder 5"/>
+          <p:cNvPr id="6" name="頁尾版面配置區 5"/>
           <p:cNvSpPr>
             <a:spLocks noGrp="1"/>
           </p:cNvSpPr>
@@ -1373,7 +1359,7 @@
       </p:sp>
       <p:sp>
         <p:nvSpPr>
-          <p:cNvPr id="7" name="Slide Number Placeholder 6"/>
+          <p:cNvPr id="7" name="投影片編號版面配置區 6"/>
           <p:cNvSpPr>
             <a:spLocks noGrp="1"/>
           </p:cNvSpPr>
@@ -1388,6 +1374,7 @@
           <a:p>
             <a:fld id="{867DC721-6751-4F86-83A9-37C52C88ECF9}" type="slidenum">
               <a:rPr lang="en-US" smtClean="0"/>
+              <a:pPr/>
               <a:t>‹#›</a:t>
             </a:fld>
             <a:endParaRPr lang="en-US"/>
@@ -1395,11 +1382,6 @@
         </p:txBody>
       </p:sp>
     </p:spTree>
-    <p:extLst>
-      <p:ext uri="{BB962C8B-B14F-4D97-AF65-F5344CB8AC3E}">
-        <p14:creationId xmlns:p14="http://schemas.microsoft.com/office/powerpoint/2010/main" val="3027181261"/>
-      </p:ext>
-    </p:extLst>
   </p:cSld>
   <p:clrMapOvr>
     <a:masterClrMapping/>
@@ -1409,7 +1391,7 @@
 
 <file path=ppt/slideLayouts/slideLayout5.xml><?xml version="1.0" encoding="utf-8"?>
 <p:sldLayout xmlns:a="http://schemas.openxmlformats.org/drawingml/2006/main" xmlns:r="http://schemas.openxmlformats.org/officeDocument/2006/relationships" xmlns:p="http://schemas.openxmlformats.org/presentationml/2006/main" type="twoTxTwoObj" preserve="1">
-  <p:cSld name="Comparison">
+  <p:cSld name="比對">
     <p:spTree>
       <p:nvGrpSpPr>
         <p:cNvPr id="1" name=""/>
@@ -1426,7 +1408,7 @@
       </p:grpSpPr>
       <p:sp>
         <p:nvSpPr>
-          <p:cNvPr id="2" name="Title 1"/>
+          <p:cNvPr id="2" name="標題 1"/>
           <p:cNvSpPr>
             <a:spLocks noGrp="1"/>
           </p:cNvSpPr>
@@ -1444,16 +1426,16 @@
           </a:lstStyle>
           <a:p>
             <a:r>
-              <a:rPr lang="en-US" smtClean="0"/>
-              <a:t>Click to edit Master title style</a:t>
-            </a:r>
-            <a:endParaRPr lang="en-US"/>
-          </a:p>
-        </p:txBody>
-      </p:sp>
-      <p:sp>
-        <p:nvSpPr>
-          <p:cNvPr id="3" name="Text Placeholder 2"/>
+              <a:rPr lang="zh-TW" altLang="en-US" smtClean="0"/>
+              <a:t>按一下以編輯母片標題樣式</a:t>
+            </a:r>
+            <a:endParaRPr lang="zh-TW" altLang="en-US"/>
+          </a:p>
+        </p:txBody>
+      </p:sp>
+      <p:sp>
+        <p:nvSpPr>
+          <p:cNvPr id="3" name="文字版面配置區 2"/>
           <p:cNvSpPr>
             <a:spLocks noGrp="1"/>
           </p:cNvSpPr>
@@ -1510,15 +1492,15 @@
           <a:p>
             <a:pPr lvl="0"/>
             <a:r>
-              <a:rPr lang="en-US" smtClean="0"/>
-              <a:t>Click to edit Master text styles</a:t>
-            </a:r>
-          </a:p>
-        </p:txBody>
-      </p:sp>
-      <p:sp>
-        <p:nvSpPr>
-          <p:cNvPr id="4" name="Content Placeholder 3"/>
+              <a:rPr lang="zh-TW" altLang="en-US" smtClean="0"/>
+              <a:t>按一下以編輯母片文字樣式</a:t>
+            </a:r>
+          </a:p>
+        </p:txBody>
+      </p:sp>
+      <p:sp>
+        <p:nvSpPr>
+          <p:cNvPr id="4" name="內容版面配置區 3"/>
           <p:cNvSpPr>
             <a:spLocks noGrp="1"/>
           </p:cNvSpPr>
@@ -1566,44 +1548,44 @@
           <a:p>
             <a:pPr lvl="0"/>
             <a:r>
-              <a:rPr lang="en-US" smtClean="0"/>
-              <a:t>Click to edit Master text styles</a:t>
+              <a:rPr lang="zh-TW" altLang="en-US" smtClean="0"/>
+              <a:t>按一下以編輯母片文字樣式</a:t>
             </a:r>
           </a:p>
           <a:p>
             <a:pPr lvl="1"/>
             <a:r>
-              <a:rPr lang="en-US" smtClean="0"/>
-              <a:t>Second level</a:t>
+              <a:rPr lang="zh-TW" altLang="en-US" smtClean="0"/>
+              <a:t>第二層</a:t>
             </a:r>
           </a:p>
           <a:p>
             <a:pPr lvl="2"/>
             <a:r>
-              <a:rPr lang="en-US" smtClean="0"/>
-              <a:t>Third level</a:t>
+              <a:rPr lang="zh-TW" altLang="en-US" smtClean="0"/>
+              <a:t>第三層</a:t>
             </a:r>
           </a:p>
           <a:p>
             <a:pPr lvl="3"/>
             <a:r>
-              <a:rPr lang="en-US" smtClean="0"/>
-              <a:t>Fourth level</a:t>
+              <a:rPr lang="zh-TW" altLang="en-US" smtClean="0"/>
+              <a:t>第四層</a:t>
             </a:r>
           </a:p>
           <a:p>
             <a:pPr lvl="4"/>
             <a:r>
-              <a:rPr lang="en-US" smtClean="0"/>
-              <a:t>Fifth level</a:t>
-            </a:r>
-            <a:endParaRPr lang="en-US"/>
-          </a:p>
-        </p:txBody>
-      </p:sp>
-      <p:sp>
-        <p:nvSpPr>
-          <p:cNvPr id="5" name="Text Placeholder 4"/>
+              <a:rPr lang="zh-TW" altLang="en-US" smtClean="0"/>
+              <a:t>第五層</a:t>
+            </a:r>
+            <a:endParaRPr lang="zh-TW" altLang="en-US"/>
+          </a:p>
+        </p:txBody>
+      </p:sp>
+      <p:sp>
+        <p:nvSpPr>
+          <p:cNvPr id="5" name="文字版面配置區 4"/>
           <p:cNvSpPr>
             <a:spLocks noGrp="1"/>
           </p:cNvSpPr>
@@ -1660,15 +1642,15 @@
           <a:p>
             <a:pPr lvl="0"/>
             <a:r>
-              <a:rPr lang="en-US" smtClean="0"/>
-              <a:t>Click to edit Master text styles</a:t>
-            </a:r>
-          </a:p>
-        </p:txBody>
-      </p:sp>
-      <p:sp>
-        <p:nvSpPr>
-          <p:cNvPr id="6" name="Content Placeholder 5"/>
+              <a:rPr lang="zh-TW" altLang="en-US" smtClean="0"/>
+              <a:t>按一下以編輯母片文字樣式</a:t>
+            </a:r>
+          </a:p>
+        </p:txBody>
+      </p:sp>
+      <p:sp>
+        <p:nvSpPr>
+          <p:cNvPr id="6" name="內容版面配置區 5"/>
           <p:cNvSpPr>
             <a:spLocks noGrp="1"/>
           </p:cNvSpPr>
@@ -1716,44 +1698,44 @@
           <a:p>
             <a:pPr lvl="0"/>
             <a:r>
-              <a:rPr lang="en-US" smtClean="0"/>
-              <a:t>Click to edit Master text styles</a:t>
+              <a:rPr lang="zh-TW" altLang="en-US" smtClean="0"/>
+              <a:t>按一下以編輯母片文字樣式</a:t>
             </a:r>
           </a:p>
           <a:p>
             <a:pPr lvl="1"/>
             <a:r>
-              <a:rPr lang="en-US" smtClean="0"/>
-              <a:t>Second level</a:t>
+              <a:rPr lang="zh-TW" altLang="en-US" smtClean="0"/>
+              <a:t>第二層</a:t>
             </a:r>
           </a:p>
           <a:p>
             <a:pPr lvl="2"/>
             <a:r>
-              <a:rPr lang="en-US" smtClean="0"/>
-              <a:t>Third level</a:t>
+              <a:rPr lang="zh-TW" altLang="en-US" smtClean="0"/>
+              <a:t>第三層</a:t>
             </a:r>
           </a:p>
           <a:p>
             <a:pPr lvl="3"/>
             <a:r>
-              <a:rPr lang="en-US" smtClean="0"/>
-              <a:t>Fourth level</a:t>
+              <a:rPr lang="zh-TW" altLang="en-US" smtClean="0"/>
+              <a:t>第四層</a:t>
             </a:r>
           </a:p>
           <a:p>
             <a:pPr lvl="4"/>
             <a:r>
-              <a:rPr lang="en-US" smtClean="0"/>
-              <a:t>Fifth level</a:t>
-            </a:r>
-            <a:endParaRPr lang="en-US"/>
-          </a:p>
-        </p:txBody>
-      </p:sp>
-      <p:sp>
-        <p:nvSpPr>
-          <p:cNvPr id="7" name="Date Placeholder 6"/>
+              <a:rPr lang="zh-TW" altLang="en-US" smtClean="0"/>
+              <a:t>第五層</a:t>
+            </a:r>
+            <a:endParaRPr lang="zh-TW" altLang="en-US"/>
+          </a:p>
+        </p:txBody>
+      </p:sp>
+      <p:sp>
+        <p:nvSpPr>
+          <p:cNvPr id="7" name="日期版面配置區 6"/>
           <p:cNvSpPr>
             <a:spLocks noGrp="1"/>
           </p:cNvSpPr>
@@ -1768,7 +1750,8 @@
           <a:p>
             <a:fld id="{434AC38D-EE3B-4EDB-A3F3-E8DB5FCDF8C7}" type="datetimeFigureOut">
               <a:rPr lang="en-US" smtClean="0"/>
-              <a:t>1/8/2019</a:t>
+              <a:pPr/>
+              <a:t>2/16/2019</a:t>
             </a:fld>
             <a:endParaRPr lang="en-US"/>
           </a:p>
@@ -1776,7 +1759,7 @@
       </p:sp>
       <p:sp>
         <p:nvSpPr>
-          <p:cNvPr id="8" name="Footer Placeholder 7"/>
+          <p:cNvPr id="8" name="頁尾版面配置區 7"/>
           <p:cNvSpPr>
             <a:spLocks noGrp="1"/>
           </p:cNvSpPr>
@@ -1795,7 +1778,7 @@
       </p:sp>
       <p:sp>
         <p:nvSpPr>
-          <p:cNvPr id="9" name="Slide Number Placeholder 8"/>
+          <p:cNvPr id="9" name="投影片編號版面配置區 8"/>
           <p:cNvSpPr>
             <a:spLocks noGrp="1"/>
           </p:cNvSpPr>
@@ -1810,6 +1793,7 @@
           <a:p>
             <a:fld id="{867DC721-6751-4F86-83A9-37C52C88ECF9}" type="slidenum">
               <a:rPr lang="en-US" smtClean="0"/>
+              <a:pPr/>
               <a:t>‹#›</a:t>
             </a:fld>
             <a:endParaRPr lang="en-US"/>
@@ -1817,11 +1801,6 @@
         </p:txBody>
       </p:sp>
     </p:spTree>
-    <p:extLst>
-      <p:ext uri="{BB962C8B-B14F-4D97-AF65-F5344CB8AC3E}">
-        <p14:creationId xmlns:p14="http://schemas.microsoft.com/office/powerpoint/2010/main" val="2746179024"/>
-      </p:ext>
-    </p:extLst>
   </p:cSld>
   <p:clrMapOvr>
     <a:masterClrMapping/>
@@ -1831,7 +1810,7 @@
 
 <file path=ppt/slideLayouts/slideLayout6.xml><?xml version="1.0" encoding="utf-8"?>
 <p:sldLayout xmlns:a="http://schemas.openxmlformats.org/drawingml/2006/main" xmlns:r="http://schemas.openxmlformats.org/officeDocument/2006/relationships" xmlns:p="http://schemas.openxmlformats.org/presentationml/2006/main" type="titleOnly" preserve="1">
-  <p:cSld name="Title Only">
+  <p:cSld name="只有標題">
     <p:spTree>
       <p:nvGrpSpPr>
         <p:cNvPr id="1" name=""/>
@@ -1848,7 +1827,7 @@
       </p:grpSpPr>
       <p:sp>
         <p:nvSpPr>
-          <p:cNvPr id="2" name="Title 1"/>
+          <p:cNvPr id="2" name="標題 1"/>
           <p:cNvSpPr>
             <a:spLocks noGrp="1"/>
           </p:cNvSpPr>
@@ -1862,16 +1841,16 @@
           <a:lstStyle/>
           <a:p>
             <a:r>
-              <a:rPr lang="en-US" smtClean="0"/>
-              <a:t>Click to edit Master title style</a:t>
-            </a:r>
-            <a:endParaRPr lang="en-US"/>
-          </a:p>
-        </p:txBody>
-      </p:sp>
-      <p:sp>
-        <p:nvSpPr>
-          <p:cNvPr id="3" name="Date Placeholder 2"/>
+              <a:rPr lang="zh-TW" altLang="en-US" smtClean="0"/>
+              <a:t>按一下以編輯母片標題樣式</a:t>
+            </a:r>
+            <a:endParaRPr lang="zh-TW" altLang="en-US"/>
+          </a:p>
+        </p:txBody>
+      </p:sp>
+      <p:sp>
+        <p:nvSpPr>
+          <p:cNvPr id="3" name="日期版面配置區 2"/>
           <p:cNvSpPr>
             <a:spLocks noGrp="1"/>
           </p:cNvSpPr>
@@ -1886,7 +1865,8 @@
           <a:p>
             <a:fld id="{434AC38D-EE3B-4EDB-A3F3-E8DB5FCDF8C7}" type="datetimeFigureOut">
               <a:rPr lang="en-US" smtClean="0"/>
-              <a:t>1/8/2019</a:t>
+              <a:pPr/>
+              <a:t>2/16/2019</a:t>
             </a:fld>
             <a:endParaRPr lang="en-US"/>
           </a:p>
@@ -1894,7 +1874,7 @@
       </p:sp>
       <p:sp>
         <p:nvSpPr>
-          <p:cNvPr id="4" name="Footer Placeholder 3"/>
+          <p:cNvPr id="4" name="頁尾版面配置區 3"/>
           <p:cNvSpPr>
             <a:spLocks noGrp="1"/>
           </p:cNvSpPr>
@@ -1913,7 +1893,7 @@
       </p:sp>
       <p:sp>
         <p:nvSpPr>
-          <p:cNvPr id="5" name="Slide Number Placeholder 4"/>
+          <p:cNvPr id="5" name="投影片編號版面配置區 4"/>
           <p:cNvSpPr>
             <a:spLocks noGrp="1"/>
           </p:cNvSpPr>
@@ -1928,6 +1908,7 @@
           <a:p>
             <a:fld id="{867DC721-6751-4F86-83A9-37C52C88ECF9}" type="slidenum">
               <a:rPr lang="en-US" smtClean="0"/>
+              <a:pPr/>
               <a:t>‹#›</a:t>
             </a:fld>
             <a:endParaRPr lang="en-US"/>
@@ -1935,11 +1916,6 @@
         </p:txBody>
       </p:sp>
     </p:spTree>
-    <p:extLst>
-      <p:ext uri="{BB962C8B-B14F-4D97-AF65-F5344CB8AC3E}">
-        <p14:creationId xmlns:p14="http://schemas.microsoft.com/office/powerpoint/2010/main" val="2954530542"/>
-      </p:ext>
-    </p:extLst>
   </p:cSld>
   <p:clrMapOvr>
     <a:masterClrMapping/>
@@ -1949,7 +1925,7 @@
 
 <file path=ppt/slideLayouts/slideLayout7.xml><?xml version="1.0" encoding="utf-8"?>
 <p:sldLayout xmlns:a="http://schemas.openxmlformats.org/drawingml/2006/main" xmlns:r="http://schemas.openxmlformats.org/officeDocument/2006/relationships" xmlns:p="http://schemas.openxmlformats.org/presentationml/2006/main" type="blank" preserve="1">
-  <p:cSld name="Blank">
+  <p:cSld name="空白">
     <p:spTree>
       <p:nvGrpSpPr>
         <p:cNvPr id="1" name=""/>
@@ -1966,7 +1942,7 @@
       </p:grpSpPr>
       <p:sp>
         <p:nvSpPr>
-          <p:cNvPr id="2" name="Date Placeholder 1"/>
+          <p:cNvPr id="2" name="日期版面配置區 1"/>
           <p:cNvSpPr>
             <a:spLocks noGrp="1"/>
           </p:cNvSpPr>
@@ -1981,7 +1957,8 @@
           <a:p>
             <a:fld id="{434AC38D-EE3B-4EDB-A3F3-E8DB5FCDF8C7}" type="datetimeFigureOut">
               <a:rPr lang="en-US" smtClean="0"/>
-              <a:t>1/8/2019</a:t>
+              <a:pPr/>
+              <a:t>2/16/2019</a:t>
             </a:fld>
             <a:endParaRPr lang="en-US"/>
           </a:p>
@@ -1989,7 +1966,7 @@
       </p:sp>
       <p:sp>
         <p:nvSpPr>
-          <p:cNvPr id="3" name="Footer Placeholder 2"/>
+          <p:cNvPr id="3" name="頁尾版面配置區 2"/>
           <p:cNvSpPr>
             <a:spLocks noGrp="1"/>
           </p:cNvSpPr>
@@ -2008,7 +1985,7 @@
       </p:sp>
       <p:sp>
         <p:nvSpPr>
-          <p:cNvPr id="4" name="Slide Number Placeholder 3"/>
+          <p:cNvPr id="4" name="投影片編號版面配置區 3"/>
           <p:cNvSpPr>
             <a:spLocks noGrp="1"/>
           </p:cNvSpPr>
@@ -2023,6 +2000,7 @@
           <a:p>
             <a:fld id="{867DC721-6751-4F86-83A9-37C52C88ECF9}" type="slidenum">
               <a:rPr lang="en-US" smtClean="0"/>
+              <a:pPr/>
               <a:t>‹#›</a:t>
             </a:fld>
             <a:endParaRPr lang="en-US"/>
@@ -2030,11 +2008,6 @@
         </p:txBody>
       </p:sp>
     </p:spTree>
-    <p:extLst>
-      <p:ext uri="{BB962C8B-B14F-4D97-AF65-F5344CB8AC3E}">
-        <p14:creationId xmlns:p14="http://schemas.microsoft.com/office/powerpoint/2010/main" val="3744537970"/>
-      </p:ext>
-    </p:extLst>
   </p:cSld>
   <p:clrMapOvr>
     <a:masterClrMapping/>
@@ -2044,7 +2017,7 @@
 
 <file path=ppt/slideLayouts/slideLayout8.xml><?xml version="1.0" encoding="utf-8"?>
 <p:sldLayout xmlns:a="http://schemas.openxmlformats.org/drawingml/2006/main" xmlns:r="http://schemas.openxmlformats.org/officeDocument/2006/relationships" xmlns:p="http://schemas.openxmlformats.org/presentationml/2006/main" type="objTx" preserve="1">
-  <p:cSld name="Content with Caption">
+  <p:cSld name="含標題的內容">
     <p:spTree>
       <p:nvGrpSpPr>
         <p:cNvPr id="1" name=""/>
@@ -2061,7 +2034,7 @@
       </p:grpSpPr>
       <p:sp>
         <p:nvSpPr>
-          <p:cNvPr id="2" name="Title 1"/>
+          <p:cNvPr id="2" name="標題 1"/>
           <p:cNvSpPr>
             <a:spLocks noGrp="1"/>
           </p:cNvSpPr>
@@ -2084,16 +2057,16 @@
           </a:lstStyle>
           <a:p>
             <a:r>
-              <a:rPr lang="en-US" smtClean="0"/>
-              <a:t>Click to edit Master title style</a:t>
-            </a:r>
-            <a:endParaRPr lang="en-US"/>
-          </a:p>
-        </p:txBody>
-      </p:sp>
-      <p:sp>
-        <p:nvSpPr>
-          <p:cNvPr id="3" name="Content Placeholder 2"/>
+              <a:rPr lang="zh-TW" altLang="en-US" smtClean="0"/>
+              <a:t>按一下以編輯母片標題樣式</a:t>
+            </a:r>
+            <a:endParaRPr lang="zh-TW" altLang="en-US"/>
+          </a:p>
+        </p:txBody>
+      </p:sp>
+      <p:sp>
+        <p:nvSpPr>
+          <p:cNvPr id="3" name="內容版面配置區 2"/>
           <p:cNvSpPr>
             <a:spLocks noGrp="1"/>
           </p:cNvSpPr>
@@ -2141,44 +2114,44 @@
           <a:p>
             <a:pPr lvl="0"/>
             <a:r>
-              <a:rPr lang="en-US" smtClean="0"/>
-              <a:t>Click to edit Master text styles</a:t>
+              <a:rPr lang="zh-TW" altLang="en-US" smtClean="0"/>
+              <a:t>按一下以編輯母片文字樣式</a:t>
             </a:r>
           </a:p>
           <a:p>
             <a:pPr lvl="1"/>
             <a:r>
-              <a:rPr lang="en-US" smtClean="0"/>
-              <a:t>Second level</a:t>
+              <a:rPr lang="zh-TW" altLang="en-US" smtClean="0"/>
+              <a:t>第二層</a:t>
             </a:r>
           </a:p>
           <a:p>
             <a:pPr lvl="2"/>
             <a:r>
-              <a:rPr lang="en-US" smtClean="0"/>
-              <a:t>Third level</a:t>
+              <a:rPr lang="zh-TW" altLang="en-US" smtClean="0"/>
+              <a:t>第三層</a:t>
             </a:r>
           </a:p>
           <a:p>
             <a:pPr lvl="3"/>
             <a:r>
-              <a:rPr lang="en-US" smtClean="0"/>
-              <a:t>Fourth level</a:t>
+              <a:rPr lang="zh-TW" altLang="en-US" smtClean="0"/>
+              <a:t>第四層</a:t>
             </a:r>
           </a:p>
           <a:p>
             <a:pPr lvl="4"/>
             <a:r>
-              <a:rPr lang="en-US" smtClean="0"/>
-              <a:t>Fifth level</a:t>
-            </a:r>
-            <a:endParaRPr lang="en-US"/>
-          </a:p>
-        </p:txBody>
-      </p:sp>
-      <p:sp>
-        <p:nvSpPr>
-          <p:cNvPr id="4" name="Text Placeholder 3"/>
+              <a:rPr lang="zh-TW" altLang="en-US" smtClean="0"/>
+              <a:t>第五層</a:t>
+            </a:r>
+            <a:endParaRPr lang="zh-TW" altLang="en-US"/>
+          </a:p>
+        </p:txBody>
+      </p:sp>
+      <p:sp>
+        <p:nvSpPr>
+          <p:cNvPr id="4" name="文字版面配置區 3"/>
           <p:cNvSpPr>
             <a:spLocks noGrp="1"/>
           </p:cNvSpPr>
@@ -2235,15 +2208,15 @@
           <a:p>
             <a:pPr lvl="0"/>
             <a:r>
-              <a:rPr lang="en-US" smtClean="0"/>
-              <a:t>Click to edit Master text styles</a:t>
-            </a:r>
-          </a:p>
-        </p:txBody>
-      </p:sp>
-      <p:sp>
-        <p:nvSpPr>
-          <p:cNvPr id="5" name="Date Placeholder 4"/>
+              <a:rPr lang="zh-TW" altLang="en-US" smtClean="0"/>
+              <a:t>按一下以編輯母片文字樣式</a:t>
+            </a:r>
+          </a:p>
+        </p:txBody>
+      </p:sp>
+      <p:sp>
+        <p:nvSpPr>
+          <p:cNvPr id="5" name="日期版面配置區 4"/>
           <p:cNvSpPr>
             <a:spLocks noGrp="1"/>
           </p:cNvSpPr>
@@ -2258,7 +2231,8 @@
           <a:p>
             <a:fld id="{434AC38D-EE3B-4EDB-A3F3-E8DB5FCDF8C7}" type="datetimeFigureOut">
               <a:rPr lang="en-US" smtClean="0"/>
-              <a:t>1/8/2019</a:t>
+              <a:pPr/>
+              <a:t>2/16/2019</a:t>
             </a:fld>
             <a:endParaRPr lang="en-US"/>
           </a:p>
@@ -2266,7 +2240,7 @@
       </p:sp>
       <p:sp>
         <p:nvSpPr>
-          <p:cNvPr id="6" name="Footer Placeholder 5"/>
+          <p:cNvPr id="6" name="頁尾版面配置區 5"/>
           <p:cNvSpPr>
             <a:spLocks noGrp="1"/>
           </p:cNvSpPr>
@@ -2285,7 +2259,7 @@
       </p:sp>
       <p:sp>
         <p:nvSpPr>
-          <p:cNvPr id="7" name="Slide Number Placeholder 6"/>
+          <p:cNvPr id="7" name="投影片編號版面配置區 6"/>
           <p:cNvSpPr>
             <a:spLocks noGrp="1"/>
           </p:cNvSpPr>
@@ -2300,6 +2274,7 @@
           <a:p>
             <a:fld id="{867DC721-6751-4F86-83A9-37C52C88ECF9}" type="slidenum">
               <a:rPr lang="en-US" smtClean="0"/>
+              <a:pPr/>
               <a:t>‹#›</a:t>
             </a:fld>
             <a:endParaRPr lang="en-US"/>
@@ -2307,11 +2282,6 @@
         </p:txBody>
       </p:sp>
     </p:spTree>
-    <p:extLst>
-      <p:ext uri="{BB962C8B-B14F-4D97-AF65-F5344CB8AC3E}">
-        <p14:creationId xmlns:p14="http://schemas.microsoft.com/office/powerpoint/2010/main" val="3736117050"/>
-      </p:ext>
-    </p:extLst>
   </p:cSld>
   <p:clrMapOvr>
     <a:masterClrMapping/>
@@ -2321,7 +2291,7 @@
 
 <file path=ppt/slideLayouts/slideLayout9.xml><?xml version="1.0" encoding="utf-8"?>
 <p:sldLayout xmlns:a="http://schemas.openxmlformats.org/drawingml/2006/main" xmlns:r="http://schemas.openxmlformats.org/officeDocument/2006/relationships" xmlns:p="http://schemas.openxmlformats.org/presentationml/2006/main" type="picTx" preserve="1">
-  <p:cSld name="Picture with Caption">
+  <p:cSld name="含標題的圖片">
     <p:spTree>
       <p:nvGrpSpPr>
         <p:cNvPr id="1" name=""/>
@@ -2338,7 +2308,7 @@
       </p:grpSpPr>
       <p:sp>
         <p:nvSpPr>
-          <p:cNvPr id="2" name="Title 1"/>
+          <p:cNvPr id="2" name="標題 1"/>
           <p:cNvSpPr>
             <a:spLocks noGrp="1"/>
           </p:cNvSpPr>
@@ -2361,16 +2331,16 @@
           </a:lstStyle>
           <a:p>
             <a:r>
-              <a:rPr lang="en-US" smtClean="0"/>
-              <a:t>Click to edit Master title style</a:t>
-            </a:r>
-            <a:endParaRPr lang="en-US"/>
-          </a:p>
-        </p:txBody>
-      </p:sp>
-      <p:sp>
-        <p:nvSpPr>
-          <p:cNvPr id="3" name="Picture Placeholder 2"/>
+              <a:rPr lang="zh-TW" altLang="en-US" smtClean="0"/>
+              <a:t>按一下以編輯母片標題樣式</a:t>
+            </a:r>
+            <a:endParaRPr lang="zh-TW" altLang="en-US"/>
+          </a:p>
+        </p:txBody>
+      </p:sp>
+      <p:sp>
+        <p:nvSpPr>
+          <p:cNvPr id="3" name="圖片版面配置區 2"/>
           <p:cNvSpPr>
             <a:spLocks noGrp="1"/>
           </p:cNvSpPr>
@@ -2425,13 +2395,17 @@
             </a:lvl9pPr>
           </a:lstStyle>
           <a:p>
-            <a:endParaRPr lang="en-US"/>
-          </a:p>
-        </p:txBody>
-      </p:sp>
-      <p:sp>
-        <p:nvSpPr>
-          <p:cNvPr id="4" name="Text Placeholder 3"/>
+            <a:r>
+              <a:rPr lang="zh-TW" altLang="en-US" smtClean="0"/>
+              <a:t>按一下圖示以新增圖片</a:t>
+            </a:r>
+            <a:endParaRPr lang="zh-TW" altLang="en-US"/>
+          </a:p>
+        </p:txBody>
+      </p:sp>
+      <p:sp>
+        <p:nvSpPr>
+          <p:cNvPr id="4" name="文字版面配置區 3"/>
           <p:cNvSpPr>
             <a:spLocks noGrp="1"/>
           </p:cNvSpPr>
@@ -2488,15 +2462,15 @@
           <a:p>
             <a:pPr lvl="0"/>
             <a:r>
-              <a:rPr lang="en-US" smtClean="0"/>
-              <a:t>Click to edit Master text styles</a:t>
-            </a:r>
-          </a:p>
-        </p:txBody>
-      </p:sp>
-      <p:sp>
-        <p:nvSpPr>
-          <p:cNvPr id="5" name="Date Placeholder 4"/>
+              <a:rPr lang="zh-TW" altLang="en-US" smtClean="0"/>
+              <a:t>按一下以編輯母片文字樣式</a:t>
+            </a:r>
+          </a:p>
+        </p:txBody>
+      </p:sp>
+      <p:sp>
+        <p:nvSpPr>
+          <p:cNvPr id="5" name="日期版面配置區 4"/>
           <p:cNvSpPr>
             <a:spLocks noGrp="1"/>
           </p:cNvSpPr>
@@ -2511,7 +2485,8 @@
           <a:p>
             <a:fld id="{434AC38D-EE3B-4EDB-A3F3-E8DB5FCDF8C7}" type="datetimeFigureOut">
               <a:rPr lang="en-US" smtClean="0"/>
-              <a:t>1/8/2019</a:t>
+              <a:pPr/>
+              <a:t>2/16/2019</a:t>
             </a:fld>
             <a:endParaRPr lang="en-US"/>
           </a:p>
@@ -2519,7 +2494,7 @@
       </p:sp>
       <p:sp>
         <p:nvSpPr>
-          <p:cNvPr id="6" name="Footer Placeholder 5"/>
+          <p:cNvPr id="6" name="頁尾版面配置區 5"/>
           <p:cNvSpPr>
             <a:spLocks noGrp="1"/>
           </p:cNvSpPr>
@@ -2538,7 +2513,7 @@
       </p:sp>
       <p:sp>
         <p:nvSpPr>
-          <p:cNvPr id="7" name="Slide Number Placeholder 6"/>
+          <p:cNvPr id="7" name="投影片編號版面配置區 6"/>
           <p:cNvSpPr>
             <a:spLocks noGrp="1"/>
           </p:cNvSpPr>
@@ -2553,6 +2528,7 @@
           <a:p>
             <a:fld id="{867DC721-6751-4F86-83A9-37C52C88ECF9}" type="slidenum">
               <a:rPr lang="en-US" smtClean="0"/>
+              <a:pPr/>
               <a:t>‹#›</a:t>
             </a:fld>
             <a:endParaRPr lang="en-US"/>
@@ -2560,11 +2536,6 @@
         </p:txBody>
       </p:sp>
     </p:spTree>
-    <p:extLst>
-      <p:ext uri="{BB962C8B-B14F-4D97-AF65-F5344CB8AC3E}">
-        <p14:creationId xmlns:p14="http://schemas.microsoft.com/office/powerpoint/2010/main" val="323138552"/>
-      </p:ext>
-    </p:extLst>
   </p:cSld>
   <p:clrMapOvr>
     <a:masterClrMapping/>
@@ -2576,9 +2547,14 @@
 <p:sldMaster xmlns:a="http://schemas.openxmlformats.org/drawingml/2006/main" xmlns:r="http://schemas.openxmlformats.org/officeDocument/2006/relationships" xmlns:p="http://schemas.openxmlformats.org/presentationml/2006/main">
   <p:cSld>
     <p:bg>
-      <p:bgRef idx="1001">
-        <a:schemeClr val="bg1"/>
-      </p:bgRef>
+      <p:bgPr>
+        <a:blipFill dpi="0" rotWithShape="1">
+          <a:blip r:embed="rId13"/>
+          <a:srcRect/>
+          <a:tile tx="0" ty="0" sx="100000" sy="100000" flip="none" algn="tl"/>
+        </a:blipFill>
+        <a:effectLst/>
+      </p:bgPr>
     </p:bg>
     <p:spTree>
       <p:nvGrpSpPr>
@@ -2596,7 +2572,7 @@
       </p:grpSpPr>
       <p:sp>
         <p:nvSpPr>
-          <p:cNvPr id="2" name="Title Placeholder 1"/>
+          <p:cNvPr id="2" name="標題版面配置區 1"/>
           <p:cNvSpPr>
             <a:spLocks noGrp="1"/>
           </p:cNvSpPr>
@@ -2620,16 +2596,16 @@
           <a:lstStyle/>
           <a:p>
             <a:r>
-              <a:rPr lang="en-US" smtClean="0"/>
-              <a:t>Click to edit Master title style</a:t>
-            </a:r>
-            <a:endParaRPr lang="en-US"/>
-          </a:p>
-        </p:txBody>
-      </p:sp>
-      <p:sp>
-        <p:nvSpPr>
-          <p:cNvPr id="3" name="Text Placeholder 2"/>
+              <a:rPr lang="zh-TW" altLang="en-US" smtClean="0"/>
+              <a:t>按一下以編輯母片標題樣式</a:t>
+            </a:r>
+            <a:endParaRPr lang="zh-TW" altLang="en-US"/>
+          </a:p>
+        </p:txBody>
+      </p:sp>
+      <p:sp>
+        <p:nvSpPr>
+          <p:cNvPr id="3" name="文字版面配置區 2"/>
           <p:cNvSpPr>
             <a:spLocks noGrp="1"/>
           </p:cNvSpPr>
@@ -2654,44 +2630,44 @@
           <a:p>
             <a:pPr lvl="0"/>
             <a:r>
-              <a:rPr lang="en-US" smtClean="0"/>
-              <a:t>Click to edit Master text styles</a:t>
+              <a:rPr lang="zh-TW" altLang="en-US" smtClean="0"/>
+              <a:t>按一下以編輯母片文字樣式</a:t>
             </a:r>
           </a:p>
           <a:p>
             <a:pPr lvl="1"/>
             <a:r>
-              <a:rPr lang="en-US" smtClean="0"/>
-              <a:t>Second level</a:t>
+              <a:rPr lang="zh-TW" altLang="en-US" smtClean="0"/>
+              <a:t>第二層</a:t>
             </a:r>
           </a:p>
           <a:p>
             <a:pPr lvl="2"/>
             <a:r>
-              <a:rPr lang="en-US" smtClean="0"/>
-              <a:t>Third level</a:t>
+              <a:rPr lang="zh-TW" altLang="en-US" smtClean="0"/>
+              <a:t>第三層</a:t>
             </a:r>
           </a:p>
           <a:p>
             <a:pPr lvl="3"/>
             <a:r>
-              <a:rPr lang="en-US" smtClean="0"/>
-              <a:t>Fourth level</a:t>
+              <a:rPr lang="zh-TW" altLang="en-US" smtClean="0"/>
+              <a:t>第四層</a:t>
             </a:r>
           </a:p>
           <a:p>
             <a:pPr lvl="4"/>
             <a:r>
-              <a:rPr lang="en-US" smtClean="0"/>
-              <a:t>Fifth level</a:t>
-            </a:r>
-            <a:endParaRPr lang="en-US"/>
-          </a:p>
-        </p:txBody>
-      </p:sp>
-      <p:sp>
-        <p:nvSpPr>
-          <p:cNvPr id="4" name="Date Placeholder 3"/>
+              <a:rPr lang="zh-TW" altLang="en-US" smtClean="0"/>
+              <a:t>第五層</a:t>
+            </a:r>
+            <a:endParaRPr lang="zh-TW" altLang="en-US"/>
+          </a:p>
+        </p:txBody>
+      </p:sp>
+      <p:sp>
+        <p:nvSpPr>
+          <p:cNvPr id="4" name="日期版面配置區 3"/>
           <p:cNvSpPr>
             <a:spLocks noGrp="1"/>
           </p:cNvSpPr>
@@ -2724,7 +2700,8 @@
           <a:p>
             <a:fld id="{434AC38D-EE3B-4EDB-A3F3-E8DB5FCDF8C7}" type="datetimeFigureOut">
               <a:rPr lang="en-US" smtClean="0"/>
-              <a:t>1/8/2019</a:t>
+              <a:pPr/>
+              <a:t>2/16/2019</a:t>
             </a:fld>
             <a:endParaRPr lang="en-US"/>
           </a:p>
@@ -2732,7 +2709,7 @@
       </p:sp>
       <p:sp>
         <p:nvSpPr>
-          <p:cNvPr id="5" name="Footer Placeholder 4"/>
+          <p:cNvPr id="5" name="頁尾版面配置區 4"/>
           <p:cNvSpPr>
             <a:spLocks noGrp="1"/>
           </p:cNvSpPr>
@@ -2769,7 +2746,7 @@
       </p:sp>
       <p:sp>
         <p:nvSpPr>
-          <p:cNvPr id="6" name="Slide Number Placeholder 5"/>
+          <p:cNvPr id="6" name="投影片編號版面配置區 5"/>
           <p:cNvSpPr>
             <a:spLocks noGrp="1"/>
           </p:cNvSpPr>
@@ -2802,6 +2779,7 @@
           <a:p>
             <a:fld id="{867DC721-6751-4F86-83A9-37C52C88ECF9}" type="slidenum">
               <a:rPr lang="en-US" smtClean="0"/>
+              <a:pPr/>
               <a:t>‹#›</a:t>
             </a:fld>
             <a:endParaRPr lang="en-US"/>
@@ -2809,25 +2787,20 @@
         </p:txBody>
       </p:sp>
     </p:spTree>
-    <p:extLst>
-      <p:ext uri="{BB962C8B-B14F-4D97-AF65-F5344CB8AC3E}">
-        <p14:creationId xmlns:p14="http://schemas.microsoft.com/office/powerpoint/2010/main" val="1307155683"/>
-      </p:ext>
-    </p:extLst>
   </p:cSld>
   <p:clrMap bg1="lt1" tx1="dk1" bg2="lt2" tx2="dk2" accent1="accent1" accent2="accent2" accent3="accent3" accent4="accent4" accent5="accent5" accent6="accent6" hlink="hlink" folHlink="folHlink"/>
   <p:sldLayoutIdLst>
-    <p:sldLayoutId id="2147483649" r:id="rId1"/>
-    <p:sldLayoutId id="2147483650" r:id="rId2"/>
-    <p:sldLayoutId id="2147483651" r:id="rId3"/>
-    <p:sldLayoutId id="2147483652" r:id="rId4"/>
-    <p:sldLayoutId id="2147483653" r:id="rId5"/>
-    <p:sldLayoutId id="2147483654" r:id="rId6"/>
-    <p:sldLayoutId id="2147483655" r:id="rId7"/>
-    <p:sldLayoutId id="2147483656" r:id="rId8"/>
-    <p:sldLayoutId id="2147483657" r:id="rId9"/>
-    <p:sldLayoutId id="2147483658" r:id="rId10"/>
-    <p:sldLayoutId id="2147483659" r:id="rId11"/>
+    <p:sldLayoutId id="2147483661" r:id="rId1"/>
+    <p:sldLayoutId id="2147483662" r:id="rId2"/>
+    <p:sldLayoutId id="2147483663" r:id="rId3"/>
+    <p:sldLayoutId id="2147483664" r:id="rId4"/>
+    <p:sldLayoutId id="2147483665" r:id="rId5"/>
+    <p:sldLayoutId id="2147483666" r:id="rId6"/>
+    <p:sldLayoutId id="2147483667" r:id="rId7"/>
+    <p:sldLayoutId id="2147483668" r:id="rId8"/>
+    <p:sldLayoutId id="2147483669" r:id="rId9"/>
+    <p:sldLayoutId id="2147483670" r:id="rId10"/>
+    <p:sldLayoutId id="2147483671" r:id="rId11"/>
   </p:sldLayoutIdLst>
   <p:txStyles>
     <p:titleStyle>
@@ -2985,7 +2958,7 @@
     </p:bodyStyle>
     <p:otherStyle>
       <a:defPPr>
-        <a:defRPr lang="en-US"/>
+        <a:defRPr lang="zh-TW"/>
       </a:defPPr>
       <a:lvl1pPr marL="0" algn="l" defTabSz="914400" rtl="0" eaLnBrk="1" latinLnBrk="0" hangingPunct="1">
         <a:defRPr sz="1800" kern="1200">
@@ -3309,7 +3282,7 @@
     </p:spTree>
     <p:extLst>
       <p:ext uri="{BB962C8B-B14F-4D97-AF65-F5344CB8AC3E}">
-        <p14:creationId xmlns:p14="http://schemas.microsoft.com/office/powerpoint/2010/main" val="1591977986"/>
+        <p14:creationId xmlns:p14="http://schemas.microsoft.com/office/powerpoint/2010/main" xmlns="" val="1591977986"/>
       </p:ext>
     </p:extLst>
   </p:cSld>
@@ -3455,7 +3428,7 @@
     </p:spTree>
     <p:extLst>
       <p:ext uri="{BB962C8B-B14F-4D97-AF65-F5344CB8AC3E}">
-        <p14:creationId xmlns:p14="http://schemas.microsoft.com/office/powerpoint/2010/main" val="1626396484"/>
+        <p14:creationId xmlns:p14="http://schemas.microsoft.com/office/powerpoint/2010/main" xmlns="" val="1626396484"/>
       </p:ext>
     </p:extLst>
   </p:cSld>
@@ -3585,7 +3558,7 @@
     </p:spTree>
     <p:extLst>
       <p:ext uri="{BB962C8B-B14F-4D97-AF65-F5344CB8AC3E}">
-        <p14:creationId xmlns:p14="http://schemas.microsoft.com/office/powerpoint/2010/main" val="655640373"/>
+        <p14:creationId xmlns:p14="http://schemas.microsoft.com/office/powerpoint/2010/main" xmlns="" val="655640373"/>
       </p:ext>
     </p:extLst>
   </p:cSld>
@@ -3731,7 +3704,7 @@
     </p:spTree>
     <p:extLst>
       <p:ext uri="{BB962C8B-B14F-4D97-AF65-F5344CB8AC3E}">
-        <p14:creationId xmlns:p14="http://schemas.microsoft.com/office/powerpoint/2010/main" val="222164186"/>
+        <p14:creationId xmlns:p14="http://schemas.microsoft.com/office/powerpoint/2010/main" xmlns="" val="222164186"/>
       </p:ext>
     </p:extLst>
   </p:cSld>
@@ -3845,7 +3818,7 @@
     </p:spTree>
     <p:extLst>
       <p:ext uri="{BB962C8B-B14F-4D97-AF65-F5344CB8AC3E}">
-        <p14:creationId xmlns:p14="http://schemas.microsoft.com/office/powerpoint/2010/main" val="1693168392"/>
+        <p14:creationId xmlns:p14="http://schemas.microsoft.com/office/powerpoint/2010/main" xmlns="" val="1693168392"/>
       </p:ext>
     </p:extLst>
   </p:cSld>
@@ -3856,7 +3829,7 @@
 </file>
 
 <file path=ppt/theme/theme1.xml><?xml version="1.0" encoding="utf-8"?>
-<a:theme xmlns:a="http://schemas.openxmlformats.org/drawingml/2006/main" name="Office Theme">
+<a:theme xmlns:a="http://schemas.openxmlformats.org/drawingml/2006/main" name="佈景主題1">
   <a:themeElements>
     <a:clrScheme name="Office">
       <a:dk1>
@@ -3930,7 +3903,6 @@
         <a:font script="Mong" typeface="Mongolian Baiti"/>
         <a:font script="Viet" typeface="Times New Roman"/>
         <a:font script="Uigh" typeface="Microsoft Uighur"/>
-        <a:font script="Geor" typeface="Sylfaen"/>
       </a:majorFont>
       <a:minorFont>
         <a:latin typeface="Calibri"/>
@@ -3965,7 +3937,6 @@
         <a:font script="Mong" typeface="Mongolian Baiti"/>
         <a:font script="Viet" typeface="Arial"/>
         <a:font script="Uigh" typeface="Microsoft Uighur"/>
-        <a:font script="Geor" typeface="Sylfaen"/>
       </a:minorFont>
     </a:fontScheme>
     <a:fmtScheme name="Office">

--- a/誰曾應許.pptx
+++ b/誰曾應許.pptx
@@ -5,13 +5,18 @@
     <p:sldMasterId id="2147483660" r:id="rId1"/>
   </p:sldMasterIdLst>
   <p:sldIdLst>
-    <p:sldId id="257" r:id="rId2"/>
-    <p:sldId id="258" r:id="rId3"/>
-    <p:sldId id="259" r:id="rId4"/>
-    <p:sldId id="260" r:id="rId5"/>
-    <p:sldId id="261" r:id="rId6"/>
+    <p:sldId id="262" r:id="rId2"/>
+    <p:sldId id="263" r:id="rId3"/>
+    <p:sldId id="264" r:id="rId4"/>
+    <p:sldId id="265" r:id="rId5"/>
+    <p:sldId id="266" r:id="rId6"/>
+    <p:sldId id="267" r:id="rId7"/>
+    <p:sldId id="268" r:id="rId8"/>
+    <p:sldId id="269" r:id="rId9"/>
+    <p:sldId id="270" r:id="rId10"/>
+    <p:sldId id="271" r:id="rId11"/>
   </p:sldIdLst>
-  <p:sldSz cx="9144000" cy="6858000" type="screen4x3"/>
+  <p:sldSz cx="12192000" cy="6858000"/>
   <p:notesSz cx="6858000" cy="9144000"/>
   <p:defaultTextStyle>
     <a:defPPr>
@@ -108,6 +113,22 @@
       </a:defRPr>
     </a:lvl9pPr>
   </p:defaultTextStyle>
+  <p:extLst>
+    <p:ext uri="{EFAFB233-063F-42B5-8137-9DF3F51BA10A}">
+      <p15:sldGuideLst xmlns:p15="http://schemas.microsoft.com/office/powerpoint/2012/main">
+        <p15:guide id="1" orient="horz" pos="2160" userDrawn="1">
+          <p15:clr>
+            <a:srgbClr val="A4A3A4"/>
+          </p15:clr>
+        </p15:guide>
+        <p15:guide id="2" pos="3840" userDrawn="1">
+          <p15:clr>
+            <a:srgbClr val="A4A3A4"/>
+          </p15:clr>
+        </p15:guide>
+      </p15:sldGuideLst>
+    </p:ext>
+  </p:extLst>
 </p:presentation>
 </file>
 
@@ -140,8 +161,8 @@
         </p:nvSpPr>
         <p:spPr>
           <a:xfrm>
-            <a:off x="685800" y="2130425"/>
-            <a:ext cx="7772400" cy="1470025"/>
+            <a:off x="914400" y="2130426"/>
+            <a:ext cx="10363200" cy="1470025"/>
           </a:xfrm>
         </p:spPr>
         <p:txBody>
@@ -168,8 +189,8 @@
         </p:nvSpPr>
         <p:spPr>
           <a:xfrm>
-            <a:off x="1371600" y="3886200"/>
-            <a:ext cx="6400800" cy="1752600"/>
+            <a:off x="1828800" y="3886200"/>
+            <a:ext cx="8534400" cy="1752600"/>
           </a:xfrm>
         </p:spPr>
         <p:txBody>
@@ -293,7 +314,7 @@
             <a:fld id="{434AC38D-EE3B-4EDB-A3F3-E8DB5FCDF8C7}" type="datetimeFigureOut">
               <a:rPr lang="en-US" smtClean="0"/>
               <a:pPr/>
-              <a:t>2/16/2019</a:t>
+              <a:t>3/9/2023</a:t>
             </a:fld>
             <a:endParaRPr lang="en-US"/>
           </a:p>
@@ -460,7 +481,7 @@
             <a:fld id="{434AC38D-EE3B-4EDB-A3F3-E8DB5FCDF8C7}" type="datetimeFigureOut">
               <a:rPr lang="en-US" smtClean="0"/>
               <a:pPr/>
-              <a:t>2/16/2019</a:t>
+              <a:t>3/9/2023</a:t>
             </a:fld>
             <a:endParaRPr lang="en-US"/>
           </a:p>
@@ -546,8 +567,8 @@
         </p:nvSpPr>
         <p:spPr>
           <a:xfrm>
-            <a:off x="6629400" y="274638"/>
-            <a:ext cx="2057400" cy="5851525"/>
+            <a:off x="8839200" y="274639"/>
+            <a:ext cx="2743200" cy="5851525"/>
           </a:xfrm>
         </p:spPr>
         <p:txBody>
@@ -574,8 +595,8 @@
         </p:nvSpPr>
         <p:spPr>
           <a:xfrm>
-            <a:off x="457200" y="274638"/>
-            <a:ext cx="6019800" cy="5851525"/>
+            <a:off x="609600" y="274639"/>
+            <a:ext cx="8026400" cy="5851525"/>
           </a:xfrm>
         </p:spPr>
         <p:txBody>
@@ -637,7 +658,7 @@
             <a:fld id="{434AC38D-EE3B-4EDB-A3F3-E8DB5FCDF8C7}" type="datetimeFigureOut">
               <a:rPr lang="en-US" smtClean="0"/>
               <a:pPr/>
-              <a:t>2/16/2019</a:t>
+              <a:t>3/9/2023</a:t>
             </a:fld>
             <a:endParaRPr lang="en-US"/>
           </a:p>
@@ -804,7 +825,7 @@
             <a:fld id="{434AC38D-EE3B-4EDB-A3F3-E8DB5FCDF8C7}" type="datetimeFigureOut">
               <a:rPr lang="en-US" smtClean="0"/>
               <a:pPr/>
-              <a:t>2/16/2019</a:t>
+              <a:t>3/9/2023</a:t>
             </a:fld>
             <a:endParaRPr lang="en-US"/>
           </a:p>
@@ -890,8 +911,8 @@
         </p:nvSpPr>
         <p:spPr>
           <a:xfrm>
-            <a:off x="722313" y="4406900"/>
-            <a:ext cx="7772400" cy="1362075"/>
+            <a:off x="963084" y="4406901"/>
+            <a:ext cx="10363200" cy="1362075"/>
           </a:xfrm>
         </p:spPr>
         <p:txBody>
@@ -922,8 +943,8 @@
         </p:nvSpPr>
         <p:spPr>
           <a:xfrm>
-            <a:off x="722313" y="2906713"/>
-            <a:ext cx="7772400" cy="1500187"/>
+            <a:off x="963084" y="2906713"/>
+            <a:ext cx="10363200" cy="1500187"/>
           </a:xfrm>
         </p:spPr>
         <p:txBody>
@@ -1047,7 +1068,7 @@
             <a:fld id="{434AC38D-EE3B-4EDB-A3F3-E8DB5FCDF8C7}" type="datetimeFigureOut">
               <a:rPr lang="en-US" smtClean="0"/>
               <a:pPr/>
-              <a:t>2/16/2019</a:t>
+              <a:t>3/9/2023</a:t>
             </a:fld>
             <a:endParaRPr lang="en-US"/>
           </a:p>
@@ -1156,8 +1177,8 @@
         </p:nvSpPr>
         <p:spPr>
           <a:xfrm>
-            <a:off x="457200" y="1600200"/>
-            <a:ext cx="4038600" cy="4525963"/>
+            <a:off x="609600" y="1600201"/>
+            <a:ext cx="5384800" cy="4525963"/>
           </a:xfrm>
         </p:spPr>
         <p:txBody>
@@ -1241,8 +1262,8 @@
         </p:nvSpPr>
         <p:spPr>
           <a:xfrm>
-            <a:off x="4648200" y="1600200"/>
-            <a:ext cx="4038600" cy="4525963"/>
+            <a:off x="6197600" y="1600201"/>
+            <a:ext cx="5384800" cy="4525963"/>
           </a:xfrm>
         </p:spPr>
         <p:txBody>
@@ -1332,7 +1353,7 @@
             <a:fld id="{434AC38D-EE3B-4EDB-A3F3-E8DB5FCDF8C7}" type="datetimeFigureOut">
               <a:rPr lang="en-US" smtClean="0"/>
               <a:pPr/>
-              <a:t>2/16/2019</a:t>
+              <a:t>3/9/2023</a:t>
             </a:fld>
             <a:endParaRPr lang="en-US"/>
           </a:p>
@@ -1445,8 +1466,8 @@
         </p:nvSpPr>
         <p:spPr>
           <a:xfrm>
-            <a:off x="457200" y="1535113"/>
-            <a:ext cx="4040188" cy="639762"/>
+            <a:off x="609600" y="1535113"/>
+            <a:ext cx="5386917" cy="639762"/>
           </a:xfrm>
         </p:spPr>
         <p:txBody>
@@ -1510,8 +1531,8 @@
         </p:nvSpPr>
         <p:spPr>
           <a:xfrm>
-            <a:off x="457200" y="2174875"/>
-            <a:ext cx="4040188" cy="3951288"/>
+            <a:off x="609600" y="2174875"/>
+            <a:ext cx="5386917" cy="3951288"/>
           </a:xfrm>
         </p:spPr>
         <p:txBody>
@@ -1595,8 +1616,8 @@
         </p:nvSpPr>
         <p:spPr>
           <a:xfrm>
-            <a:off x="4645025" y="1535113"/>
-            <a:ext cx="4041775" cy="639762"/>
+            <a:off x="6193368" y="1535113"/>
+            <a:ext cx="5389033" cy="639762"/>
           </a:xfrm>
         </p:spPr>
         <p:txBody>
@@ -1660,8 +1681,8 @@
         </p:nvSpPr>
         <p:spPr>
           <a:xfrm>
-            <a:off x="4645025" y="2174875"/>
-            <a:ext cx="4041775" cy="3951288"/>
+            <a:off x="6193368" y="2174875"/>
+            <a:ext cx="5389033" cy="3951288"/>
           </a:xfrm>
         </p:spPr>
         <p:txBody>
@@ -1751,7 +1772,7 @@
             <a:fld id="{434AC38D-EE3B-4EDB-A3F3-E8DB5FCDF8C7}" type="datetimeFigureOut">
               <a:rPr lang="en-US" smtClean="0"/>
               <a:pPr/>
-              <a:t>2/16/2019</a:t>
+              <a:t>3/9/2023</a:t>
             </a:fld>
             <a:endParaRPr lang="en-US"/>
           </a:p>
@@ -1866,7 +1887,7 @@
             <a:fld id="{434AC38D-EE3B-4EDB-A3F3-E8DB5FCDF8C7}" type="datetimeFigureOut">
               <a:rPr lang="en-US" smtClean="0"/>
               <a:pPr/>
-              <a:t>2/16/2019</a:t>
+              <a:t>3/9/2023</a:t>
             </a:fld>
             <a:endParaRPr lang="en-US"/>
           </a:p>
@@ -1958,7 +1979,7 @@
             <a:fld id="{434AC38D-EE3B-4EDB-A3F3-E8DB5FCDF8C7}" type="datetimeFigureOut">
               <a:rPr lang="en-US" smtClean="0"/>
               <a:pPr/>
-              <a:t>2/16/2019</a:t>
+              <a:t>3/9/2023</a:t>
             </a:fld>
             <a:endParaRPr lang="en-US"/>
           </a:p>
@@ -2044,8 +2065,8 @@
         </p:nvSpPr>
         <p:spPr>
           <a:xfrm>
-            <a:off x="457200" y="273050"/>
-            <a:ext cx="3008313" cy="1162050"/>
+            <a:off x="609601" y="273050"/>
+            <a:ext cx="4011084" cy="1162050"/>
           </a:xfrm>
         </p:spPr>
         <p:txBody>
@@ -2076,8 +2097,8 @@
         </p:nvSpPr>
         <p:spPr>
           <a:xfrm>
-            <a:off x="3575050" y="273050"/>
-            <a:ext cx="5111750" cy="5853113"/>
+            <a:off x="4766733" y="273051"/>
+            <a:ext cx="6815667" cy="5853113"/>
           </a:xfrm>
         </p:spPr>
         <p:txBody>
@@ -2161,8 +2182,8 @@
         </p:nvSpPr>
         <p:spPr>
           <a:xfrm>
-            <a:off x="457200" y="1435100"/>
-            <a:ext cx="3008313" cy="4691063"/>
+            <a:off x="609601" y="1435101"/>
+            <a:ext cx="4011084" cy="4691063"/>
           </a:xfrm>
         </p:spPr>
         <p:txBody>
@@ -2232,7 +2253,7 @@
             <a:fld id="{434AC38D-EE3B-4EDB-A3F3-E8DB5FCDF8C7}" type="datetimeFigureOut">
               <a:rPr lang="en-US" smtClean="0"/>
               <a:pPr/>
-              <a:t>2/16/2019</a:t>
+              <a:t>3/9/2023</a:t>
             </a:fld>
             <a:endParaRPr lang="en-US"/>
           </a:p>
@@ -2318,8 +2339,8 @@
         </p:nvSpPr>
         <p:spPr>
           <a:xfrm>
-            <a:off x="1792288" y="4800600"/>
-            <a:ext cx="5486400" cy="566738"/>
+            <a:off x="2389717" y="4800600"/>
+            <a:ext cx="7315200" cy="566738"/>
           </a:xfrm>
         </p:spPr>
         <p:txBody>
@@ -2350,8 +2371,8 @@
         </p:nvSpPr>
         <p:spPr>
           <a:xfrm>
-            <a:off x="1792288" y="612775"/>
-            <a:ext cx="5486400" cy="4114800"/>
+            <a:off x="2389717" y="612775"/>
+            <a:ext cx="7315200" cy="4114800"/>
           </a:xfrm>
         </p:spPr>
         <p:txBody>
@@ -2415,8 +2436,8 @@
         </p:nvSpPr>
         <p:spPr>
           <a:xfrm>
-            <a:off x="1792288" y="5367338"/>
-            <a:ext cx="5486400" cy="804862"/>
+            <a:off x="2389717" y="5367338"/>
+            <a:ext cx="7315200" cy="804862"/>
           </a:xfrm>
         </p:spPr>
         <p:txBody>
@@ -2486,7 +2507,7 @@
             <a:fld id="{434AC38D-EE3B-4EDB-A3F3-E8DB5FCDF8C7}" type="datetimeFigureOut">
               <a:rPr lang="en-US" smtClean="0"/>
               <a:pPr/>
-              <a:t>2/16/2019</a:t>
+              <a:t>3/9/2023</a:t>
             </a:fld>
             <a:endParaRPr lang="en-US"/>
           </a:p>
@@ -2582,8 +2603,8 @@
         </p:nvSpPr>
         <p:spPr>
           <a:xfrm>
-            <a:off x="457200" y="274638"/>
-            <a:ext cx="8229600" cy="1143000"/>
+            <a:off x="609600" y="274638"/>
+            <a:ext cx="10972800" cy="1143000"/>
           </a:xfrm>
           <a:prstGeom prst="rect">
             <a:avLst/>
@@ -2615,8 +2636,8 @@
         </p:nvSpPr>
         <p:spPr>
           <a:xfrm>
-            <a:off x="457200" y="1600200"/>
-            <a:ext cx="8229600" cy="4525963"/>
+            <a:off x="609600" y="1600201"/>
+            <a:ext cx="10972800" cy="4525963"/>
           </a:xfrm>
           <a:prstGeom prst="rect">
             <a:avLst/>
@@ -2677,8 +2698,8 @@
         </p:nvSpPr>
         <p:spPr>
           <a:xfrm>
-            <a:off x="457200" y="6356350"/>
-            <a:ext cx="2133600" cy="365125"/>
+            <a:off x="609600" y="6356351"/>
+            <a:ext cx="2844800" cy="365125"/>
           </a:xfrm>
           <a:prstGeom prst="rect">
             <a:avLst/>
@@ -2701,7 +2722,7 @@
             <a:fld id="{434AC38D-EE3B-4EDB-A3F3-E8DB5FCDF8C7}" type="datetimeFigureOut">
               <a:rPr lang="en-US" smtClean="0"/>
               <a:pPr/>
-              <a:t>2/16/2019</a:t>
+              <a:t>3/9/2023</a:t>
             </a:fld>
             <a:endParaRPr lang="en-US"/>
           </a:p>
@@ -2719,8 +2740,8 @@
         </p:nvSpPr>
         <p:spPr>
           <a:xfrm>
-            <a:off x="3124200" y="6356350"/>
-            <a:ext cx="2895600" cy="365125"/>
+            <a:off x="4165600" y="6356351"/>
+            <a:ext cx="3860800" cy="365125"/>
           </a:xfrm>
           <a:prstGeom prst="rect">
             <a:avLst/>
@@ -2756,8 +2777,8 @@
         </p:nvSpPr>
         <p:spPr>
           <a:xfrm>
-            <a:off x="6553200" y="6356350"/>
-            <a:ext cx="2133600" cy="365125"/>
+            <a:off x="8737600" y="6356351"/>
+            <a:ext cx="2844800" cy="365125"/>
           </a:xfrm>
           <a:prstGeom prst="rect">
             <a:avLst/>
@@ -3074,47 +3095,18 @@
       </p:grpSpPr>
       <p:sp>
         <p:nvSpPr>
-          <p:cNvPr id="2" name="Title 1"/>
+          <p:cNvPr id="4" name="標題 3"/>
           <p:cNvSpPr>
             <a:spLocks noGrp="1"/>
           </p:cNvSpPr>
           <p:nvPr>
             <p:ph type="title"/>
-          </p:nvPr>
-        </p:nvSpPr>
-        <p:spPr/>
-        <p:txBody>
-          <a:bodyPr/>
-          <a:lstStyle/>
-          <a:p>
-            <a:r>
-              <a:rPr lang="zh-CN" altLang="en-US" b="1" dirty="0">
-                <a:latin typeface="Microsoft JhengHei" pitchFamily="34" charset="-120"/>
-                <a:ea typeface="Microsoft JhengHei" pitchFamily="34" charset="-120"/>
-              </a:rPr>
-              <a:t>誰曾應許</a:t>
-            </a:r>
-            <a:endParaRPr lang="en-US" b="1" dirty="0">
-              <a:latin typeface="Microsoft JhengHei" pitchFamily="34" charset="-120"/>
-              <a:ea typeface="Microsoft JhengHei" pitchFamily="34" charset="-120"/>
-            </a:endParaRPr>
-          </a:p>
-        </p:txBody>
-      </p:sp>
-      <p:sp>
-        <p:nvSpPr>
-          <p:cNvPr id="3" name="Content Placeholder 2"/>
-          <p:cNvSpPr>
-            <a:spLocks noGrp="1"/>
-          </p:cNvSpPr>
-          <p:nvPr>
-            <p:ph idx="1"/>
           </p:nvPr>
         </p:nvSpPr>
         <p:spPr>
           <a:xfrm>
-            <a:off x="0" y="1600200"/>
-            <a:ext cx="9144000" cy="4525963"/>
+            <a:off x="0" y="2660915"/>
+            <a:ext cx="12192000" cy="1143000"/>
           </a:xfrm>
         </p:spPr>
         <p:txBody>
@@ -3123,158 +3115,53 @@
           </a:bodyPr>
           <a:lstStyle/>
           <a:p>
-            <a:pPr marL="0" indent="0" algn="ctr">
-              <a:buNone/>
-            </a:pPr>
-            <a:r>
-              <a:rPr lang="zh-TW" altLang="en-US" sz="5400" b="1" dirty="0">
-                <a:latin typeface="Microsoft JhengHei" pitchFamily="34" charset="-120"/>
-                <a:ea typeface="Microsoft JhengHei" pitchFamily="34" charset="-120"/>
-              </a:rPr>
-              <a:t>誰曾應</a:t>
-            </a:r>
-            <a:r>
-              <a:rPr lang="zh-TW" altLang="en-US" sz="5400" b="1" dirty="0" smtClean="0">
-                <a:latin typeface="Microsoft JhengHei" pitchFamily="34" charset="-120"/>
-                <a:ea typeface="Microsoft JhengHei" pitchFamily="34" charset="-120"/>
-              </a:rPr>
-              <a:t>許   一</a:t>
-            </a:r>
-            <a:r>
-              <a:rPr lang="zh-TW" altLang="en-US" sz="5400" b="1" dirty="0">
-                <a:latin typeface="Microsoft JhengHei" pitchFamily="34" charset="-120"/>
-                <a:ea typeface="Microsoft JhengHei" pitchFamily="34" charset="-120"/>
-              </a:rPr>
-              <a:t>生不撇下</a:t>
-            </a:r>
-            <a:r>
-              <a:rPr lang="zh-TW" altLang="en-US" sz="5400" b="1" dirty="0" smtClean="0">
-                <a:latin typeface="Microsoft JhengHei" pitchFamily="34" charset="-120"/>
-                <a:ea typeface="Microsoft JhengHei" pitchFamily="34" charset="-120"/>
-              </a:rPr>
-              <a:t>我</a:t>
-            </a:r>
-            <a:endParaRPr lang="en-US" altLang="zh-TW" sz="5400" b="1" dirty="0" smtClean="0">
-              <a:latin typeface="Microsoft JhengHei" pitchFamily="34" charset="-120"/>
-              <a:ea typeface="Microsoft JhengHei" pitchFamily="34" charset="-120"/>
-            </a:endParaRPr>
-          </a:p>
-          <a:p>
-            <a:pPr marL="0" indent="0" algn="ctr">
-              <a:buNone/>
-            </a:pPr>
-            <a:r>
-              <a:rPr lang="zh-TW" altLang="en-US" sz="5400" b="1" dirty="0" smtClean="0">
-                <a:latin typeface="Microsoft JhengHei" pitchFamily="34" charset="-120"/>
-                <a:ea typeface="Microsoft JhengHei" pitchFamily="34" charset="-120"/>
-              </a:rPr>
-              <a:t>每</a:t>
-            </a:r>
-            <a:r>
-              <a:rPr lang="zh-TW" altLang="en-US" sz="5400" b="1" dirty="0">
-                <a:latin typeface="Microsoft JhengHei" pitchFamily="34" charset="-120"/>
-                <a:ea typeface="Microsoft JhengHei" pitchFamily="34" charset="-120"/>
-              </a:rPr>
-              <a:t>段</a:t>
-            </a:r>
-            <a:r>
-              <a:rPr lang="zh-TW" altLang="en-US" sz="5400" b="1" dirty="0" smtClean="0">
-                <a:latin typeface="Microsoft JhengHei" pitchFamily="34" charset="-120"/>
-                <a:ea typeface="Microsoft JhengHei" pitchFamily="34" charset="-120"/>
-              </a:rPr>
-              <a:t>窄路   誰</a:t>
-            </a:r>
-            <a:r>
-              <a:rPr lang="zh-TW" altLang="en-US" sz="5400" b="1" dirty="0">
-                <a:latin typeface="Microsoft JhengHei" pitchFamily="34" charset="-120"/>
-                <a:ea typeface="Microsoft JhengHei" pitchFamily="34" charset="-120"/>
-              </a:rPr>
-              <a:t>陪我去走</a:t>
-            </a:r>
-            <a:r>
-              <a:rPr lang="zh-TW" altLang="en-US" sz="5400" b="1" dirty="0" smtClean="0">
-                <a:latin typeface="Microsoft JhengHei" pitchFamily="34" charset="-120"/>
-                <a:ea typeface="Microsoft JhengHei" pitchFamily="34" charset="-120"/>
-              </a:rPr>
-              <a:t>過</a:t>
-            </a:r>
-            <a:endParaRPr lang="en-US" altLang="zh-TW" sz="5400" b="1" dirty="0">
-              <a:latin typeface="Microsoft JhengHei" pitchFamily="34" charset="-120"/>
-              <a:ea typeface="Microsoft JhengHei" pitchFamily="34" charset="-120"/>
-            </a:endParaRPr>
-          </a:p>
-          <a:p>
-            <a:pPr marL="0" indent="0" algn="ctr">
-              <a:buNone/>
-            </a:pPr>
-            <a:r>
-              <a:rPr lang="zh-TW" altLang="en-US" sz="5400" b="1" dirty="0" smtClean="0">
-                <a:latin typeface="Microsoft JhengHei" pitchFamily="34" charset="-120"/>
-                <a:ea typeface="Microsoft JhengHei" pitchFamily="34" charset="-120"/>
+            <a:r>
+              <a:rPr lang="zh-CN" altLang="en-US" sz="7200" b="1" i="1" dirty="0" smtClean="0">
+                <a:solidFill>
+                  <a:srgbClr val="660033"/>
+                </a:solidFill>
+                <a:effectLst>
+                  <a:outerShdw blurRad="38100" dist="38100" dir="2700000" algn="tl">
+                    <a:srgbClr val="000000">
+                      <a:alpha val="43137"/>
+                    </a:srgbClr>
+                  </a:outerShdw>
+                </a:effectLst>
+                <a:latin typeface="微軟正黑體" pitchFamily="34" charset="-120"/>
+                <a:ea typeface="微軟正黑體" pitchFamily="34" charset="-120"/>
               </a:rPr>
               <a:t>誰</a:t>
             </a:r>
             <a:r>
-              <a:rPr lang="zh-TW" altLang="en-US" sz="5400" b="1" dirty="0">
-                <a:latin typeface="Microsoft JhengHei" pitchFamily="34" charset="-120"/>
-                <a:ea typeface="Microsoft JhengHei" pitchFamily="34" charset="-120"/>
-              </a:rPr>
-              <a:t>還領</a:t>
-            </a:r>
-            <a:r>
-              <a:rPr lang="zh-TW" altLang="en-US" sz="5400" b="1" dirty="0" smtClean="0">
-                <a:latin typeface="Microsoft JhengHei" pitchFamily="34" charset="-120"/>
-                <a:ea typeface="Microsoft JhengHei" pitchFamily="34" charset="-120"/>
-              </a:rPr>
-              <a:t>我   於</a:t>
-            </a:r>
-            <a:r>
-              <a:rPr lang="zh-TW" altLang="en-US" sz="5400" b="1" dirty="0">
-                <a:latin typeface="Microsoft JhengHei" pitchFamily="34" charset="-120"/>
-                <a:ea typeface="Microsoft JhengHei" pitchFamily="34" charset="-120"/>
-              </a:rPr>
-              <a:t>青草恬靜處躺</a:t>
-            </a:r>
-            <a:r>
-              <a:rPr lang="zh-TW" altLang="en-US" sz="5400" b="1" dirty="0" smtClean="0">
-                <a:latin typeface="Microsoft JhengHei" pitchFamily="34" charset="-120"/>
-                <a:ea typeface="Microsoft JhengHei" pitchFamily="34" charset="-120"/>
-              </a:rPr>
-              <a:t>臥</a:t>
-            </a:r>
-            <a:endParaRPr lang="en-US" altLang="zh-TW" sz="5400" b="1" dirty="0" smtClean="0">
-              <a:latin typeface="Microsoft JhengHei" pitchFamily="34" charset="-120"/>
-              <a:ea typeface="Microsoft JhengHei" pitchFamily="34" charset="-120"/>
-            </a:endParaRPr>
-          </a:p>
-          <a:p>
-            <a:pPr marL="0" indent="0" algn="ctr">
-              <a:buNone/>
-            </a:pPr>
-            <a:r>
-              <a:rPr lang="zh-TW" altLang="en-US" sz="5400" b="1" dirty="0" smtClean="0">
-                <a:latin typeface="Microsoft JhengHei" pitchFamily="34" charset="-120"/>
-                <a:ea typeface="Microsoft JhengHei" pitchFamily="34" charset="-120"/>
-              </a:rPr>
-              <a:t>豐</a:t>
-            </a:r>
-            <a:r>
-              <a:rPr lang="zh-TW" altLang="en-US" sz="5400" b="1" dirty="0">
-                <a:latin typeface="Microsoft JhengHei" pitchFamily="34" charset="-120"/>
-                <a:ea typeface="Microsoft JhengHei" pitchFamily="34" charset="-120"/>
-              </a:rPr>
-              <a:t>足恩惠比海沙更</a:t>
-            </a:r>
-            <a:r>
-              <a:rPr lang="zh-TW" altLang="en-US" sz="5400" b="1" dirty="0" smtClean="0">
-                <a:latin typeface="Microsoft JhengHei" pitchFamily="34" charset="-120"/>
-                <a:ea typeface="Microsoft JhengHei" pitchFamily="34" charset="-120"/>
-              </a:rPr>
-              <a:t>多</a:t>
-            </a:r>
-            <a:endParaRPr lang="en-US" sz="5400" b="1" dirty="0">
-              <a:latin typeface="Microsoft JhengHei" pitchFamily="34" charset="-120"/>
-              <a:ea typeface="Microsoft JhengHei" pitchFamily="34" charset="-120"/>
+              <a:rPr lang="zh-CN" altLang="en-US" sz="7200" b="1" i="1" dirty="0">
+                <a:solidFill>
+                  <a:srgbClr val="660033"/>
+                </a:solidFill>
+                <a:effectLst>
+                  <a:outerShdw blurRad="38100" dist="38100" dir="2700000" algn="tl">
+                    <a:srgbClr val="000000">
+                      <a:alpha val="43137"/>
+                    </a:srgbClr>
+                  </a:outerShdw>
+                </a:effectLst>
+                <a:latin typeface="微軟正黑體" pitchFamily="34" charset="-120"/>
+                <a:ea typeface="微軟正黑體" pitchFamily="34" charset="-120"/>
+              </a:rPr>
+              <a:t>曾應許</a:t>
+            </a:r>
+            <a:endParaRPr lang="zh-TW" altLang="en-US" sz="7200" b="1" i="1" dirty="0">
+              <a:solidFill>
+                <a:srgbClr val="660033"/>
+              </a:solidFill>
+              <a:effectLst>
+                <a:outerShdw blurRad="38100" dist="38100" dir="2700000" algn="tl">
+                  <a:srgbClr val="000000">
+                    <a:alpha val="43137"/>
+                  </a:srgbClr>
+                </a:outerShdw>
+              </a:effectLst>
+              <a:latin typeface="微軟正黑體" pitchFamily="34" charset="-120"/>
+              <a:ea typeface="微軟正黑體" pitchFamily="34" charset="-120"/>
             </a:endParaRPr>
           </a:p>
         </p:txBody>
@@ -3282,7 +3169,206 @@
     </p:spTree>
     <p:extLst>
       <p:ext uri="{BB962C8B-B14F-4D97-AF65-F5344CB8AC3E}">
-        <p14:creationId xmlns:p14="http://schemas.microsoft.com/office/powerpoint/2010/main" xmlns="" val="1591977986"/>
+        <p14:creationId xmlns:p14="http://schemas.microsoft.com/office/powerpoint/2010/main" val="1751535535"/>
+      </p:ext>
+    </p:extLst>
+  </p:cSld>
+  <p:clrMapOvr>
+    <a:masterClrMapping/>
+  </p:clrMapOvr>
+</p:sld>
+</file>
+
+<file path=ppt/slides/slide10.xml><?xml version="1.0" encoding="utf-8"?>
+<p:sld xmlns:a="http://schemas.openxmlformats.org/drawingml/2006/main" xmlns:r="http://schemas.openxmlformats.org/officeDocument/2006/relationships" xmlns:p="http://schemas.openxmlformats.org/presentationml/2006/main">
+  <p:cSld>
+    <p:spTree>
+      <p:nvGrpSpPr>
+        <p:cNvPr id="1" name=""/>
+        <p:cNvGrpSpPr/>
+        <p:nvPr/>
+      </p:nvGrpSpPr>
+      <p:grpSpPr>
+        <a:xfrm>
+          <a:off x="0" y="0"/>
+          <a:ext cx="0" cy="0"/>
+          <a:chOff x="0" y="0"/>
+          <a:chExt cx="0" cy="0"/>
+        </a:xfrm>
+      </p:grpSpPr>
+      <p:sp>
+        <p:nvSpPr>
+          <p:cNvPr id="5" name="內容版面配置區 4"/>
+          <p:cNvSpPr>
+            <a:spLocks noGrp="1"/>
+          </p:cNvSpPr>
+          <p:nvPr>
+            <p:ph idx="1"/>
+          </p:nvPr>
+        </p:nvSpPr>
+        <p:spPr>
+          <a:xfrm>
+            <a:off x="0" y="2084851"/>
+            <a:ext cx="12192000" cy="2404863"/>
+          </a:xfrm>
+        </p:spPr>
+        <p:txBody>
+          <a:bodyPr anchor="ctr">
+            <a:normAutofit/>
+          </a:bodyPr>
+          <a:lstStyle/>
+          <a:p>
+            <a:pPr marL="0" indent="0" algn="ctr">
+              <a:buNone/>
+            </a:pPr>
+            <a:r>
+              <a:rPr lang="zh-TW" altLang="en-US" sz="6400" b="1" dirty="0">
+                <a:solidFill>
+                  <a:srgbClr val="660033"/>
+                </a:solidFill>
+                <a:latin typeface="微軟正黑體" pitchFamily="34" charset="-120"/>
+                <a:ea typeface="微軟正黑體" pitchFamily="34" charset="-120"/>
+              </a:rPr>
+              <a:t>我究竟算甚麼</a:t>
+            </a:r>
+            <a:endParaRPr lang="en-US" altLang="zh-TW" sz="6400" b="1" dirty="0">
+              <a:solidFill>
+                <a:srgbClr val="660033"/>
+              </a:solidFill>
+              <a:latin typeface="微軟正黑體" pitchFamily="34" charset="-120"/>
+              <a:ea typeface="微軟正黑體" pitchFamily="34" charset="-120"/>
+            </a:endParaRPr>
+          </a:p>
+          <a:p>
+            <a:pPr marL="0" indent="0" algn="ctr">
+              <a:buNone/>
+            </a:pPr>
+            <a:r>
+              <a:rPr lang="zh-TW" altLang="en-US" sz="6400" b="1" dirty="0" smtClean="0">
+                <a:solidFill>
+                  <a:srgbClr val="660033"/>
+                </a:solidFill>
+                <a:latin typeface="微軟正黑體" pitchFamily="34" charset="-120"/>
+                <a:ea typeface="微軟正黑體" pitchFamily="34" charset="-120"/>
+              </a:rPr>
+              <a:t>神</a:t>
+            </a:r>
+            <a:r>
+              <a:rPr lang="zh-CN" altLang="en-US" sz="6400" b="1" dirty="0">
+                <a:solidFill>
+                  <a:srgbClr val="660033"/>
+                </a:solidFill>
+                <a:latin typeface="微軟正黑體" pitchFamily="34" charset="-120"/>
+                <a:ea typeface="微軟正黑體" pitchFamily="34" charset="-120"/>
+              </a:rPr>
+              <a:t>袮</a:t>
+            </a:r>
+            <a:r>
+              <a:rPr lang="zh-TW" altLang="en-US" sz="6400" b="1" dirty="0" smtClean="0">
+                <a:solidFill>
+                  <a:srgbClr val="660033"/>
+                </a:solidFill>
+                <a:latin typeface="微軟正黑體" pitchFamily="34" charset="-120"/>
+                <a:ea typeface="微軟正黑體" pitchFamily="34" charset="-120"/>
+              </a:rPr>
+              <a:t>竟</a:t>
+            </a:r>
+            <a:r>
+              <a:rPr lang="zh-TW" altLang="en-US" sz="6400" b="1" dirty="0">
+                <a:solidFill>
+                  <a:srgbClr val="660033"/>
+                </a:solidFill>
+                <a:latin typeface="微軟正黑體" pitchFamily="34" charset="-120"/>
+                <a:ea typeface="微軟正黑體" pitchFamily="34" charset="-120"/>
+              </a:rPr>
+              <a:t>這般顧念我</a:t>
+            </a:r>
+            <a:endParaRPr lang="en-US" sz="6400" b="1" dirty="0">
+              <a:solidFill>
+                <a:srgbClr val="660033"/>
+              </a:solidFill>
+              <a:latin typeface="微軟正黑體" pitchFamily="34" charset="-120"/>
+              <a:ea typeface="微軟正黑體" pitchFamily="34" charset="-120"/>
+            </a:endParaRPr>
+          </a:p>
+        </p:txBody>
+      </p:sp>
+      <p:sp>
+        <p:nvSpPr>
+          <p:cNvPr id="3" name="TextBox 2"/>
+          <p:cNvSpPr txBox="1"/>
+          <p:nvPr/>
+        </p:nvSpPr>
+        <p:spPr>
+          <a:xfrm>
+            <a:off x="0" y="5157192"/>
+            <a:ext cx="12192000" cy="646331"/>
+          </a:xfrm>
+          <a:prstGeom prst="rect">
+            <a:avLst/>
+          </a:prstGeom>
+          <a:noFill/>
+        </p:spPr>
+        <p:txBody>
+          <a:bodyPr wrap="square" rtlCol="0">
+            <a:spAutoFit/>
+          </a:bodyPr>
+          <a:lstStyle/>
+          <a:p>
+            <a:pPr algn="ctr"/>
+            <a:r>
+              <a:rPr lang="en-US" sz="3600" b="1" dirty="0">
+                <a:solidFill>
+                  <a:srgbClr val="660033"/>
+                </a:solidFill>
+                <a:latin typeface="Microsoft JhengHei" panose="020B0604030504040204" pitchFamily="34" charset="-120"/>
+                <a:ea typeface="Microsoft JhengHei" panose="020B0604030504040204" pitchFamily="34" charset="-120"/>
+              </a:rPr>
+              <a:t>( </a:t>
+            </a:r>
+            <a:r>
+              <a:rPr lang="zh-CN" altLang="en-US" sz="3600" b="1" dirty="0">
+                <a:solidFill>
+                  <a:srgbClr val="660033"/>
+                </a:solidFill>
+                <a:latin typeface="Microsoft JhengHei" panose="020B0604030504040204" pitchFamily="34" charset="-120"/>
+                <a:ea typeface="Microsoft JhengHei" panose="020B0604030504040204" pitchFamily="34" charset="-120"/>
+              </a:rPr>
+              <a:t>結束</a:t>
+            </a:r>
+            <a:r>
+              <a:rPr lang="en-US" sz="3600" b="1" dirty="0" smtClean="0">
+                <a:solidFill>
+                  <a:srgbClr val="660033"/>
+                </a:solidFill>
+                <a:latin typeface="Microsoft JhengHei" panose="020B0604030504040204" pitchFamily="34" charset="-120"/>
+                <a:ea typeface="Microsoft JhengHei" panose="020B0604030504040204" pitchFamily="34" charset="-120"/>
+              </a:rPr>
+              <a:t> </a:t>
+            </a:r>
+            <a:r>
+              <a:rPr lang="en-US" sz="3600" b="1" dirty="0">
+                <a:solidFill>
+                  <a:srgbClr val="660033"/>
+                </a:solidFill>
+                <a:latin typeface="Microsoft JhengHei" panose="020B0604030504040204" pitchFamily="34" charset="-120"/>
+                <a:ea typeface="Microsoft JhengHei" panose="020B0604030504040204" pitchFamily="34" charset="-120"/>
+              </a:rPr>
+              <a:t>)</a:t>
+            </a:r>
+            <a:endParaRPr lang="vi-VN" sz="3600" b="1" dirty="0">
+              <a:solidFill>
+                <a:srgbClr val="660033"/>
+              </a:solidFill>
+              <a:ea typeface="Microsoft JhengHei" panose="020B0604030504040204" pitchFamily="34" charset="-120"/>
+            </a:endParaRPr>
+          </a:p>
+        </p:txBody>
+      </p:sp>
+    </p:spTree>
+    <p:extLst>
+      <p:ext uri="{BB962C8B-B14F-4D97-AF65-F5344CB8AC3E}">
+        <p14:creationId xmlns:p14="http://schemas.microsoft.com/office/powerpoint/2010/main" val="1941307433"/>
       </p:ext>
     </p:extLst>
   </p:cSld>
@@ -3311,36 +3397,7 @@
       </p:grpSpPr>
       <p:sp>
         <p:nvSpPr>
-          <p:cNvPr id="2" name="Title 1"/>
-          <p:cNvSpPr>
-            <a:spLocks noGrp="1"/>
-          </p:cNvSpPr>
-          <p:nvPr>
-            <p:ph type="title"/>
-          </p:nvPr>
-        </p:nvSpPr>
-        <p:spPr/>
-        <p:txBody>
-          <a:bodyPr/>
-          <a:lstStyle/>
-          <a:p>
-            <a:r>
-              <a:rPr lang="zh-CN" altLang="en-US" b="1" dirty="0">
-                <a:latin typeface="Microsoft JhengHei" pitchFamily="34" charset="-120"/>
-                <a:ea typeface="Microsoft JhengHei" pitchFamily="34" charset="-120"/>
-              </a:rPr>
-              <a:t>誰曾應許</a:t>
-            </a:r>
-            <a:endParaRPr lang="en-US" b="1" dirty="0">
-              <a:latin typeface="Microsoft JhengHei" pitchFamily="34" charset="-120"/>
-              <a:ea typeface="Microsoft JhengHei" pitchFamily="34" charset="-120"/>
-            </a:endParaRPr>
-          </a:p>
-        </p:txBody>
-      </p:sp>
-      <p:sp>
-        <p:nvSpPr>
-          <p:cNvPr id="3" name="Content Placeholder 2"/>
+          <p:cNvPr id="5" name="內容版面配置區 4"/>
           <p:cNvSpPr>
             <a:spLocks noGrp="1"/>
           </p:cNvSpPr>
@@ -3350,13 +3407,13 @@
         </p:nvSpPr>
         <p:spPr>
           <a:xfrm>
-            <a:off x="0" y="1600200"/>
-            <a:ext cx="9144000" cy="4525963"/>
+            <a:off x="0" y="2084851"/>
+            <a:ext cx="12192000" cy="2404863"/>
           </a:xfrm>
         </p:spPr>
         <p:txBody>
-          <a:bodyPr>
-            <a:noAutofit/>
+          <a:bodyPr anchor="ctr">
+            <a:normAutofit/>
           </a:bodyPr>
           <a:lstStyle/>
           <a:p>
@@ -3364,15 +3421,31 @@
               <a:buNone/>
             </a:pPr>
             <a:r>
-              <a:rPr lang="zh-TW" altLang="en-US" sz="5400" b="1" dirty="0">
-                <a:latin typeface="Microsoft JhengHei" pitchFamily="34" charset="-120"/>
-                <a:ea typeface="Microsoft JhengHei" pitchFamily="34" charset="-120"/>
-              </a:rPr>
-              <a:t>誰曾應許   天天看顧著我</a:t>
-            </a:r>
-            <a:endParaRPr lang="en-US" altLang="zh-TW" sz="5400" b="1" dirty="0">
-              <a:latin typeface="Microsoft JhengHei" pitchFamily="34" charset="-120"/>
-              <a:ea typeface="Microsoft JhengHei" pitchFamily="34" charset="-120"/>
+              <a:rPr lang="zh-TW" altLang="en-US" sz="6400" b="1" dirty="0" smtClean="0">
+                <a:solidFill>
+                  <a:srgbClr val="660033"/>
+                </a:solidFill>
+                <a:latin typeface="微軟正黑體" pitchFamily="34" charset="-120"/>
+                <a:ea typeface="微軟正黑體" pitchFamily="34" charset="-120"/>
+              </a:rPr>
+              <a:t>誰</a:t>
+            </a:r>
+            <a:r>
+              <a:rPr lang="zh-TW" altLang="en-US" sz="6400" b="1" dirty="0">
+                <a:solidFill>
+                  <a:srgbClr val="660033"/>
+                </a:solidFill>
+                <a:latin typeface="微軟正黑體" pitchFamily="34" charset="-120"/>
+                <a:ea typeface="微軟正黑體" pitchFamily="34" charset="-120"/>
+              </a:rPr>
+              <a:t>曾應許   一生不撇下我</a:t>
+            </a:r>
+            <a:endParaRPr lang="en-US" altLang="zh-TW" sz="6400" b="1" dirty="0">
+              <a:solidFill>
+                <a:srgbClr val="660033"/>
+              </a:solidFill>
+              <a:latin typeface="微軟正黑體" pitchFamily="34" charset="-120"/>
+              <a:ea typeface="微軟正黑體" pitchFamily="34" charset="-120"/>
             </a:endParaRPr>
           </a:p>
           <a:p>
@@ -3380,47 +3453,93 @@
               <a:buNone/>
             </a:pPr>
             <a:r>
-              <a:rPr lang="zh-TW" altLang="en-US" sz="5400" b="1" dirty="0">
-                <a:latin typeface="Microsoft JhengHei" pitchFamily="34" charset="-120"/>
-                <a:ea typeface="Microsoft JhengHei" pitchFamily="34" charset="-120"/>
-              </a:rPr>
-              <a:t>晝夜眷佑   連頭髮也數過</a:t>
-            </a:r>
-            <a:endParaRPr lang="en-US" altLang="zh-TW" sz="5400" b="1" dirty="0">
-              <a:latin typeface="Microsoft JhengHei" pitchFamily="34" charset="-120"/>
-              <a:ea typeface="Microsoft JhengHei" pitchFamily="34" charset="-120"/>
+              <a:rPr lang="zh-TW" altLang="en-US" sz="6400" b="1" dirty="0">
+                <a:solidFill>
+                  <a:srgbClr val="660033"/>
+                </a:solidFill>
+                <a:latin typeface="微軟正黑體" pitchFamily="34" charset="-120"/>
+                <a:ea typeface="微軟正黑體" pitchFamily="34" charset="-120"/>
+              </a:rPr>
+              <a:t>每段窄路   誰陪我去走過</a:t>
+            </a:r>
+            <a:endParaRPr lang="en-US" altLang="zh-TW" sz="6400" b="1" dirty="0">
+              <a:solidFill>
+                <a:srgbClr val="660033"/>
+              </a:solidFill>
+              <a:latin typeface="微軟正黑體" pitchFamily="34" charset="-120"/>
+              <a:ea typeface="微軟正黑體" pitchFamily="34" charset="-120"/>
             </a:endParaRPr>
           </a:p>
-          <a:p>
-            <a:pPr marL="0" indent="0" algn="ctr">
-              <a:buNone/>
-            </a:pPr>
-            <a:r>
-              <a:rPr lang="zh-TW" altLang="en-US" sz="5400" b="1" dirty="0">
-                <a:latin typeface="Microsoft JhengHei" pitchFamily="34" charset="-120"/>
-                <a:ea typeface="Microsoft JhengHei" pitchFamily="34" charset="-120"/>
-              </a:rPr>
-              <a:t>誰還以愛驅走心裡懼怕怯懦</a:t>
-            </a:r>
-            <a:endParaRPr lang="en-US" altLang="zh-TW" sz="5400" b="1" dirty="0">
-              <a:latin typeface="Microsoft JhengHei" pitchFamily="34" charset="-120"/>
-              <a:ea typeface="Microsoft JhengHei" pitchFamily="34" charset="-120"/>
-            </a:endParaRPr>
-          </a:p>
-          <a:p>
-            <a:pPr marL="0" indent="0" algn="ctr">
-              <a:buNone/>
-            </a:pPr>
-            <a:r>
-              <a:rPr lang="zh-TW" altLang="en-US" sz="5400" b="1" dirty="0">
-                <a:latin typeface="Microsoft JhengHei" pitchFamily="34" charset="-120"/>
-                <a:ea typeface="Microsoft JhengHei" pitchFamily="34" charset="-120"/>
-              </a:rPr>
-              <a:t>那懼路途捲動著漩渦</a:t>
-            </a:r>
-            <a:endParaRPr lang="en-US" sz="5400" b="1" dirty="0">
-              <a:latin typeface="Microsoft JhengHei" pitchFamily="34" charset="-120"/>
-              <a:ea typeface="Microsoft JhengHei" pitchFamily="34" charset="-120"/>
+        </p:txBody>
+      </p:sp>
+      <p:sp>
+        <p:nvSpPr>
+          <p:cNvPr id="3" name="TextBox 2"/>
+          <p:cNvSpPr txBox="1"/>
+          <p:nvPr/>
+        </p:nvSpPr>
+        <p:spPr>
+          <a:xfrm>
+            <a:off x="0" y="5157192"/>
+            <a:ext cx="12192000" cy="646331"/>
+          </a:xfrm>
+          <a:prstGeom prst="rect">
+            <a:avLst/>
+          </a:prstGeom>
+          <a:noFill/>
+        </p:spPr>
+        <p:txBody>
+          <a:bodyPr wrap="square" rtlCol="0">
+            <a:spAutoFit/>
+          </a:bodyPr>
+          <a:lstStyle/>
+          <a:p>
+            <a:pPr algn="ctr"/>
+            <a:r>
+              <a:rPr lang="en-US" sz="3600" b="1" dirty="0">
+                <a:solidFill>
+                  <a:srgbClr val="660033"/>
+                </a:solidFill>
+                <a:latin typeface="Microsoft JhengHei" panose="020B0604030504040204" pitchFamily="34" charset="-120"/>
+                <a:ea typeface="Microsoft JhengHei" panose="020B0604030504040204" pitchFamily="34" charset="-120"/>
+              </a:rPr>
+              <a:t>( </a:t>
+            </a:r>
+            <a:r>
+              <a:rPr lang="zh-CN" altLang="en-US" sz="3600" b="1" dirty="0" smtClean="0">
+                <a:solidFill>
+                  <a:srgbClr val="660033"/>
+                </a:solidFill>
+                <a:latin typeface="Microsoft JhengHei" panose="020B0604030504040204" pitchFamily="34" charset="-120"/>
+                <a:ea typeface="Microsoft JhengHei" panose="020B0604030504040204" pitchFamily="34" charset="-120"/>
+              </a:rPr>
+              <a:t>正歌</a:t>
+            </a:r>
+            <a:r>
+              <a:rPr lang="en-US" sz="3600" b="1" dirty="0" smtClean="0">
+                <a:solidFill>
+                  <a:srgbClr val="660033"/>
+                </a:solidFill>
+                <a:latin typeface="Microsoft JhengHei" panose="020B0604030504040204" pitchFamily="34" charset="-120"/>
+                <a:ea typeface="Microsoft JhengHei" panose="020B0604030504040204" pitchFamily="34" charset="-120"/>
+              </a:rPr>
+              <a:t> </a:t>
+            </a:r>
+            <a:r>
+              <a:rPr lang="en-US" sz="3600" b="1" dirty="0">
+                <a:solidFill>
+                  <a:srgbClr val="660033"/>
+                </a:solidFill>
+                <a:latin typeface="Microsoft JhengHei" panose="020B0604030504040204" pitchFamily="34" charset="-120"/>
+                <a:ea typeface="Microsoft JhengHei" panose="020B0604030504040204" pitchFamily="34" charset="-120"/>
+              </a:rPr>
+              <a:t>)</a:t>
+            </a:r>
+            <a:endParaRPr lang="vi-VN" sz="3600" b="1" dirty="0">
+              <a:solidFill>
+                <a:srgbClr val="660033"/>
+              </a:solidFill>
+              <a:ea typeface="Microsoft JhengHei" panose="020B0604030504040204" pitchFamily="34" charset="-120"/>
             </a:endParaRPr>
           </a:p>
         </p:txBody>
@@ -3428,7 +3547,7 @@
     </p:spTree>
     <p:extLst>
       <p:ext uri="{BB962C8B-B14F-4D97-AF65-F5344CB8AC3E}">
-        <p14:creationId xmlns:p14="http://schemas.microsoft.com/office/powerpoint/2010/main" xmlns="" val="1626396484"/>
+        <p14:creationId xmlns:p14="http://schemas.microsoft.com/office/powerpoint/2010/main" val="1949226468"/>
       </p:ext>
     </p:extLst>
   </p:cSld>
@@ -3457,36 +3576,7 @@
       </p:grpSpPr>
       <p:sp>
         <p:nvSpPr>
-          <p:cNvPr id="2" name="Title 1"/>
-          <p:cNvSpPr>
-            <a:spLocks noGrp="1"/>
-          </p:cNvSpPr>
-          <p:nvPr>
-            <p:ph type="title"/>
-          </p:nvPr>
-        </p:nvSpPr>
-        <p:spPr/>
-        <p:txBody>
-          <a:bodyPr/>
-          <a:lstStyle/>
-          <a:p>
-            <a:r>
-              <a:rPr lang="zh-CN" altLang="en-US" b="1" dirty="0">
-                <a:latin typeface="Microsoft JhengHei" pitchFamily="34" charset="-120"/>
-                <a:ea typeface="Microsoft JhengHei" pitchFamily="34" charset="-120"/>
-              </a:rPr>
-              <a:t>誰曾應許</a:t>
-            </a:r>
-            <a:endParaRPr lang="en-US" b="1" dirty="0">
-              <a:latin typeface="Microsoft JhengHei" pitchFamily="34" charset="-120"/>
-              <a:ea typeface="Microsoft JhengHei" pitchFamily="34" charset="-120"/>
-            </a:endParaRPr>
-          </a:p>
-        </p:txBody>
-      </p:sp>
-      <p:sp>
-        <p:nvSpPr>
-          <p:cNvPr id="3" name="Content Placeholder 2"/>
+          <p:cNvPr id="5" name="內容版面配置區 4"/>
           <p:cNvSpPr>
             <a:spLocks noGrp="1"/>
           </p:cNvSpPr>
@@ -3496,13 +3586,13 @@
         </p:nvSpPr>
         <p:spPr>
           <a:xfrm>
-            <a:off x="0" y="1600200"/>
-            <a:ext cx="9144000" cy="4525963"/>
+            <a:off x="0" y="2084851"/>
+            <a:ext cx="12192000" cy="2404863"/>
           </a:xfrm>
         </p:spPr>
         <p:txBody>
-          <a:bodyPr>
-            <a:noAutofit/>
+          <a:bodyPr anchor="ctr">
+            <a:normAutofit/>
           </a:bodyPr>
           <a:lstStyle/>
           <a:p>
@@ -3510,15 +3600,21 @@
               <a:buNone/>
             </a:pPr>
             <a:r>
-              <a:rPr lang="zh-TW" altLang="en-US" sz="5400" b="1" dirty="0">
-                <a:latin typeface="Microsoft JhengHei" pitchFamily="34" charset="-120"/>
-                <a:ea typeface="Microsoft JhengHei" pitchFamily="34" charset="-120"/>
-              </a:rPr>
-              <a:t>因你是我主我避難所</a:t>
-            </a:r>
-            <a:endParaRPr lang="en-US" altLang="zh-TW" sz="5400" b="1" dirty="0">
-              <a:latin typeface="Microsoft JhengHei" pitchFamily="34" charset="-120"/>
-              <a:ea typeface="Microsoft JhengHei" pitchFamily="34" charset="-120"/>
+              <a:rPr lang="zh-TW" altLang="en-US" sz="6400" b="1" dirty="0">
+                <a:solidFill>
+                  <a:srgbClr val="660033"/>
+                </a:solidFill>
+                <a:latin typeface="微軟正黑體" pitchFamily="34" charset="-120"/>
+                <a:ea typeface="微軟正黑體" pitchFamily="34" charset="-120"/>
+              </a:rPr>
+              <a:t>誰還領我   於青草恬靜處躺臥</a:t>
+            </a:r>
+            <a:endParaRPr lang="en-US" altLang="zh-TW" sz="6400" b="1" dirty="0">
+              <a:solidFill>
+                <a:srgbClr val="660033"/>
+              </a:solidFill>
+              <a:latin typeface="微軟正黑體" pitchFamily="34" charset="-120"/>
+              <a:ea typeface="微軟正黑體" pitchFamily="34" charset="-120"/>
             </a:endParaRPr>
           </a:p>
           <a:p>
@@ -3526,31 +3622,93 @@
               <a:buNone/>
             </a:pPr>
             <a:r>
-              <a:rPr lang="zh-TW" altLang="en-US" sz="5400" b="1" dirty="0">
-                <a:latin typeface="Microsoft JhengHei" pitchFamily="34" charset="-120"/>
-                <a:ea typeface="Microsoft JhengHei" pitchFamily="34" charset="-120"/>
-              </a:rPr>
-              <a:t>我盾牌和詩歌</a:t>
-            </a:r>
-            <a:endParaRPr lang="en-US" altLang="zh-TW" sz="5400" b="1" dirty="0">
-              <a:latin typeface="Microsoft JhengHei" pitchFamily="34" charset="-120"/>
-              <a:ea typeface="Microsoft JhengHei" pitchFamily="34" charset="-120"/>
+              <a:rPr lang="zh-TW" altLang="en-US" sz="6400" b="1" dirty="0">
+                <a:solidFill>
+                  <a:srgbClr val="660033"/>
+                </a:solidFill>
+                <a:latin typeface="微軟正黑體" pitchFamily="34" charset="-120"/>
+                <a:ea typeface="微軟正黑體" pitchFamily="34" charset="-120"/>
+              </a:rPr>
+              <a:t>豐足恩惠比海沙更多</a:t>
+            </a:r>
+            <a:endParaRPr lang="en-US" sz="6400" b="1" dirty="0">
+              <a:solidFill>
+                <a:srgbClr val="660033"/>
+              </a:solidFill>
+              <a:latin typeface="微軟正黑體" pitchFamily="34" charset="-120"/>
+              <a:ea typeface="微軟正黑體" pitchFamily="34" charset="-120"/>
             </a:endParaRPr>
           </a:p>
-          <a:p>
-            <a:pPr marL="0" indent="0" algn="ctr">
-              <a:buNone/>
-            </a:pPr>
-            <a:r>
-              <a:rPr lang="zh-TW" altLang="en-US" sz="5400" b="1" dirty="0">
-                <a:latin typeface="Microsoft JhengHei" pitchFamily="34" charset="-120"/>
-                <a:ea typeface="Microsoft JhengHei" pitchFamily="34" charset="-120"/>
-              </a:rPr>
-              <a:t>你是我的高臺我隨時幫助</a:t>
-            </a:r>
-            <a:endParaRPr lang="en-US" sz="5400" b="1" dirty="0">
-              <a:latin typeface="Microsoft JhengHei" pitchFamily="34" charset="-120"/>
-              <a:ea typeface="Microsoft JhengHei" pitchFamily="34" charset="-120"/>
+        </p:txBody>
+      </p:sp>
+      <p:sp>
+        <p:nvSpPr>
+          <p:cNvPr id="3" name="TextBox 2"/>
+          <p:cNvSpPr txBox="1"/>
+          <p:nvPr/>
+        </p:nvSpPr>
+        <p:spPr>
+          <a:xfrm>
+            <a:off x="0" y="5157192"/>
+            <a:ext cx="12192000" cy="646331"/>
+          </a:xfrm>
+          <a:prstGeom prst="rect">
+            <a:avLst/>
+          </a:prstGeom>
+          <a:noFill/>
+        </p:spPr>
+        <p:txBody>
+          <a:bodyPr wrap="square" rtlCol="0">
+            <a:spAutoFit/>
+          </a:bodyPr>
+          <a:lstStyle/>
+          <a:p>
+            <a:pPr algn="ctr"/>
+            <a:r>
+              <a:rPr lang="en-US" sz="3600" b="1" dirty="0">
+                <a:solidFill>
+                  <a:srgbClr val="660033"/>
+                </a:solidFill>
+                <a:latin typeface="Microsoft JhengHei" panose="020B0604030504040204" pitchFamily="34" charset="-120"/>
+                <a:ea typeface="Microsoft JhengHei" panose="020B0604030504040204" pitchFamily="34" charset="-120"/>
+              </a:rPr>
+              <a:t>( </a:t>
+            </a:r>
+            <a:r>
+              <a:rPr lang="zh-CN" altLang="en-US" sz="3600" b="1" dirty="0" smtClean="0">
+                <a:solidFill>
+                  <a:srgbClr val="660033"/>
+                </a:solidFill>
+                <a:latin typeface="Microsoft JhengHei" panose="020B0604030504040204" pitchFamily="34" charset="-120"/>
+                <a:ea typeface="Microsoft JhengHei" panose="020B0604030504040204" pitchFamily="34" charset="-120"/>
+              </a:rPr>
+              <a:t>正歌</a:t>
+            </a:r>
+            <a:r>
+              <a:rPr lang="en-US" sz="3600" b="1" dirty="0" smtClean="0">
+                <a:solidFill>
+                  <a:srgbClr val="660033"/>
+                </a:solidFill>
+                <a:latin typeface="Microsoft JhengHei" panose="020B0604030504040204" pitchFamily="34" charset="-120"/>
+                <a:ea typeface="Microsoft JhengHei" panose="020B0604030504040204" pitchFamily="34" charset="-120"/>
+              </a:rPr>
+              <a:t> </a:t>
+            </a:r>
+            <a:r>
+              <a:rPr lang="en-US" sz="3600" b="1" dirty="0">
+                <a:solidFill>
+                  <a:srgbClr val="660033"/>
+                </a:solidFill>
+                <a:latin typeface="Microsoft JhengHei" panose="020B0604030504040204" pitchFamily="34" charset="-120"/>
+                <a:ea typeface="Microsoft JhengHei" panose="020B0604030504040204" pitchFamily="34" charset="-120"/>
+              </a:rPr>
+              <a:t>)</a:t>
+            </a:r>
+            <a:endParaRPr lang="vi-VN" sz="3600" b="1" dirty="0">
+              <a:solidFill>
+                <a:srgbClr val="660033"/>
+              </a:solidFill>
+              <a:ea typeface="Microsoft JhengHei" panose="020B0604030504040204" pitchFamily="34" charset="-120"/>
             </a:endParaRPr>
           </a:p>
         </p:txBody>
@@ -3558,7 +3716,7 @@
     </p:spTree>
     <p:extLst>
       <p:ext uri="{BB962C8B-B14F-4D97-AF65-F5344CB8AC3E}">
-        <p14:creationId xmlns:p14="http://schemas.microsoft.com/office/powerpoint/2010/main" xmlns="" val="655640373"/>
+        <p14:creationId xmlns:p14="http://schemas.microsoft.com/office/powerpoint/2010/main" val="2947191776"/>
       </p:ext>
     </p:extLst>
   </p:cSld>
@@ -3587,36 +3745,7 @@
       </p:grpSpPr>
       <p:sp>
         <p:nvSpPr>
-          <p:cNvPr id="2" name="Title 1"/>
-          <p:cNvSpPr>
-            <a:spLocks noGrp="1"/>
-          </p:cNvSpPr>
-          <p:nvPr>
-            <p:ph type="title"/>
-          </p:nvPr>
-        </p:nvSpPr>
-        <p:spPr/>
-        <p:txBody>
-          <a:bodyPr/>
-          <a:lstStyle/>
-          <a:p>
-            <a:r>
-              <a:rPr lang="zh-CN" altLang="en-US" b="1" dirty="0">
-                <a:latin typeface="Microsoft JhengHei" pitchFamily="34" charset="-120"/>
-                <a:ea typeface="Microsoft JhengHei" pitchFamily="34" charset="-120"/>
-              </a:rPr>
-              <a:t>誰曾應許</a:t>
-            </a:r>
-            <a:endParaRPr lang="en-US" b="1" dirty="0">
-              <a:latin typeface="Microsoft JhengHei" pitchFamily="34" charset="-120"/>
-              <a:ea typeface="Microsoft JhengHei" pitchFamily="34" charset="-120"/>
-            </a:endParaRPr>
-          </a:p>
-        </p:txBody>
-      </p:sp>
-      <p:sp>
-        <p:nvSpPr>
-          <p:cNvPr id="3" name="Content Placeholder 2"/>
+          <p:cNvPr id="5" name="內容版面配置區 4"/>
           <p:cNvSpPr>
             <a:spLocks noGrp="1"/>
           </p:cNvSpPr>
@@ -3626,13 +3755,13 @@
         </p:nvSpPr>
         <p:spPr>
           <a:xfrm>
-            <a:off x="0" y="1600200"/>
-            <a:ext cx="9144000" cy="4525963"/>
+            <a:off x="0" y="2084851"/>
+            <a:ext cx="12192000" cy="2404863"/>
           </a:xfrm>
         </p:spPr>
         <p:txBody>
-          <a:bodyPr>
-            <a:noAutofit/>
+          <a:bodyPr anchor="ctr">
+            <a:normAutofit/>
           </a:bodyPr>
           <a:lstStyle/>
           <a:p>
@@ -3640,15 +3769,21 @@
               <a:buNone/>
             </a:pPr>
             <a:r>
-              <a:rPr lang="zh-TW" altLang="en-US" sz="5400" b="1" dirty="0">
-                <a:latin typeface="Microsoft JhengHei" pitchFamily="34" charset="-120"/>
-                <a:ea typeface="Microsoft JhengHei" pitchFamily="34" charset="-120"/>
-              </a:rPr>
-              <a:t>來吧   用信心讚頌和高歌</a:t>
-            </a:r>
-            <a:endParaRPr lang="en-US" altLang="zh-TW" sz="5400" b="1" dirty="0">
-              <a:latin typeface="Microsoft JhengHei" pitchFamily="34" charset="-120"/>
-              <a:ea typeface="Microsoft JhengHei" pitchFamily="34" charset="-120"/>
+              <a:rPr lang="zh-TW" altLang="en-US" sz="6400" b="1" dirty="0">
+                <a:solidFill>
+                  <a:srgbClr val="660033"/>
+                </a:solidFill>
+                <a:latin typeface="微軟正黑體" pitchFamily="34" charset="-120"/>
+                <a:ea typeface="微軟正黑體" pitchFamily="34" charset="-120"/>
+              </a:rPr>
+              <a:t>誰曾應許   天天看顧著我</a:t>
+            </a:r>
+            <a:endParaRPr lang="en-US" altLang="zh-TW" sz="6400" b="1" dirty="0">
+              <a:solidFill>
+                <a:srgbClr val="660033"/>
+              </a:solidFill>
+              <a:latin typeface="微軟正黑體" pitchFamily="34" charset="-120"/>
+              <a:ea typeface="微軟正黑體" pitchFamily="34" charset="-120"/>
             </a:endParaRPr>
           </a:p>
           <a:p>
@@ -3656,47 +3791,93 @@
               <a:buNone/>
             </a:pPr>
             <a:r>
-              <a:rPr lang="zh-TW" altLang="en-US" sz="5400" b="1" dirty="0">
-                <a:latin typeface="Microsoft JhengHei" pitchFamily="34" charset="-120"/>
-                <a:ea typeface="Microsoft JhengHei" pitchFamily="34" charset="-120"/>
-              </a:rPr>
-              <a:t>你永在我心窩</a:t>
-            </a:r>
-            <a:endParaRPr lang="en-US" altLang="zh-TW" sz="5400" b="1" dirty="0">
-              <a:latin typeface="Microsoft JhengHei" pitchFamily="34" charset="-120"/>
-              <a:ea typeface="Microsoft JhengHei" pitchFamily="34" charset="-120"/>
+              <a:rPr lang="zh-TW" altLang="en-US" sz="6400" b="1" dirty="0">
+                <a:solidFill>
+                  <a:srgbClr val="660033"/>
+                </a:solidFill>
+                <a:latin typeface="微軟正黑體" pitchFamily="34" charset="-120"/>
+                <a:ea typeface="微軟正黑體" pitchFamily="34" charset="-120"/>
+              </a:rPr>
+              <a:t>晝夜眷佑   連頭髮也數過</a:t>
+            </a:r>
+            <a:endParaRPr lang="en-US" altLang="zh-TW" sz="6400" b="1" dirty="0">
+              <a:solidFill>
+                <a:srgbClr val="660033"/>
+              </a:solidFill>
+              <a:latin typeface="微軟正黑體" pitchFamily="34" charset="-120"/>
+              <a:ea typeface="微軟正黑體" pitchFamily="34" charset="-120"/>
             </a:endParaRPr>
           </a:p>
-          <a:p>
-            <a:pPr marL="0" indent="0" algn="ctr">
-              <a:buNone/>
-            </a:pPr>
-            <a:r>
-              <a:rPr lang="zh-TW" altLang="en-US" sz="5400" b="1" dirty="0">
-                <a:latin typeface="Microsoft JhengHei" pitchFamily="34" charset="-120"/>
-                <a:ea typeface="Microsoft JhengHei" pitchFamily="34" charset="-120"/>
-              </a:rPr>
-              <a:t>唯你有永生江河</a:t>
-            </a:r>
-            <a:endParaRPr lang="en-US" altLang="zh-TW" sz="5400" b="1" dirty="0">
-              <a:latin typeface="Microsoft JhengHei" pitchFamily="34" charset="-120"/>
-              <a:ea typeface="Microsoft JhengHei" pitchFamily="34" charset="-120"/>
-            </a:endParaRPr>
-          </a:p>
-          <a:p>
-            <a:pPr marL="0" indent="0" algn="ctr">
-              <a:buNone/>
-            </a:pPr>
-            <a:r>
-              <a:rPr lang="zh-TW" altLang="en-US" sz="5400" b="1" dirty="0">
-                <a:latin typeface="Microsoft JhengHei" pitchFamily="34" charset="-120"/>
-                <a:ea typeface="Microsoft JhengHei" pitchFamily="34" charset="-120"/>
-              </a:rPr>
-              <a:t>除你以外不倚靠別個</a:t>
-            </a:r>
-            <a:endParaRPr lang="en-US" sz="5400" b="1" dirty="0">
-              <a:latin typeface="Microsoft JhengHei" pitchFamily="34" charset="-120"/>
-              <a:ea typeface="Microsoft JhengHei" pitchFamily="34" charset="-120"/>
+        </p:txBody>
+      </p:sp>
+      <p:sp>
+        <p:nvSpPr>
+          <p:cNvPr id="3" name="TextBox 2"/>
+          <p:cNvSpPr txBox="1"/>
+          <p:nvPr/>
+        </p:nvSpPr>
+        <p:spPr>
+          <a:xfrm>
+            <a:off x="0" y="5157192"/>
+            <a:ext cx="12192000" cy="646331"/>
+          </a:xfrm>
+          <a:prstGeom prst="rect">
+            <a:avLst/>
+          </a:prstGeom>
+          <a:noFill/>
+        </p:spPr>
+        <p:txBody>
+          <a:bodyPr wrap="square" rtlCol="0">
+            <a:spAutoFit/>
+          </a:bodyPr>
+          <a:lstStyle/>
+          <a:p>
+            <a:pPr algn="ctr"/>
+            <a:r>
+              <a:rPr lang="en-US" sz="3600" b="1" dirty="0">
+                <a:solidFill>
+                  <a:srgbClr val="660033"/>
+                </a:solidFill>
+                <a:latin typeface="Microsoft JhengHei" panose="020B0604030504040204" pitchFamily="34" charset="-120"/>
+                <a:ea typeface="Microsoft JhengHei" panose="020B0604030504040204" pitchFamily="34" charset="-120"/>
+              </a:rPr>
+              <a:t>( </a:t>
+            </a:r>
+            <a:r>
+              <a:rPr lang="zh-CN" altLang="en-US" sz="3600" b="1" dirty="0" smtClean="0">
+                <a:solidFill>
+                  <a:srgbClr val="660033"/>
+                </a:solidFill>
+                <a:latin typeface="Microsoft JhengHei" panose="020B0604030504040204" pitchFamily="34" charset="-120"/>
+                <a:ea typeface="Microsoft JhengHei" panose="020B0604030504040204" pitchFamily="34" charset="-120"/>
+              </a:rPr>
+              <a:t>正歌</a:t>
+            </a:r>
+            <a:r>
+              <a:rPr lang="en-US" sz="3600" b="1" dirty="0" smtClean="0">
+                <a:solidFill>
+                  <a:srgbClr val="660033"/>
+                </a:solidFill>
+                <a:latin typeface="Microsoft JhengHei" panose="020B0604030504040204" pitchFamily="34" charset="-120"/>
+                <a:ea typeface="Microsoft JhengHei" panose="020B0604030504040204" pitchFamily="34" charset="-120"/>
+              </a:rPr>
+              <a:t> </a:t>
+            </a:r>
+            <a:r>
+              <a:rPr lang="en-US" sz="3600" b="1" dirty="0">
+                <a:solidFill>
+                  <a:srgbClr val="660033"/>
+                </a:solidFill>
+                <a:latin typeface="Microsoft JhengHei" panose="020B0604030504040204" pitchFamily="34" charset="-120"/>
+                <a:ea typeface="Microsoft JhengHei" panose="020B0604030504040204" pitchFamily="34" charset="-120"/>
+              </a:rPr>
+              <a:t>)</a:t>
+            </a:r>
+            <a:endParaRPr lang="vi-VN" sz="3600" b="1" dirty="0">
+              <a:solidFill>
+                <a:srgbClr val="660033"/>
+              </a:solidFill>
+              <a:ea typeface="Microsoft JhengHei" panose="020B0604030504040204" pitchFamily="34" charset="-120"/>
             </a:endParaRPr>
           </a:p>
         </p:txBody>
@@ -3704,7 +3885,7 @@
     </p:spTree>
     <p:extLst>
       <p:ext uri="{BB962C8B-B14F-4D97-AF65-F5344CB8AC3E}">
-        <p14:creationId xmlns:p14="http://schemas.microsoft.com/office/powerpoint/2010/main" xmlns="" val="222164186"/>
+        <p14:creationId xmlns:p14="http://schemas.microsoft.com/office/powerpoint/2010/main" val="3071340937"/>
       </p:ext>
     </p:extLst>
   </p:cSld>
@@ -3733,36 +3914,7 @@
       </p:grpSpPr>
       <p:sp>
         <p:nvSpPr>
-          <p:cNvPr id="2" name="Title 1"/>
-          <p:cNvSpPr>
-            <a:spLocks noGrp="1"/>
-          </p:cNvSpPr>
-          <p:nvPr>
-            <p:ph type="title"/>
-          </p:nvPr>
-        </p:nvSpPr>
-        <p:spPr/>
-        <p:txBody>
-          <a:bodyPr/>
-          <a:lstStyle/>
-          <a:p>
-            <a:r>
-              <a:rPr lang="zh-CN" altLang="en-US" b="1" dirty="0">
-                <a:latin typeface="Microsoft JhengHei" pitchFamily="34" charset="-120"/>
-                <a:ea typeface="Microsoft JhengHei" pitchFamily="34" charset="-120"/>
-              </a:rPr>
-              <a:t>誰曾應許</a:t>
-            </a:r>
-            <a:endParaRPr lang="en-US" b="1" dirty="0">
-              <a:latin typeface="Microsoft JhengHei" pitchFamily="34" charset="-120"/>
-              <a:ea typeface="Microsoft JhengHei" pitchFamily="34" charset="-120"/>
-            </a:endParaRPr>
-          </a:p>
-        </p:txBody>
-      </p:sp>
-      <p:sp>
-        <p:nvSpPr>
-          <p:cNvPr id="3" name="Content Placeholder 2"/>
+          <p:cNvPr id="5" name="內容版面配置區 4"/>
           <p:cNvSpPr>
             <a:spLocks noGrp="1"/>
           </p:cNvSpPr>
@@ -3772,13 +3924,13 @@
         </p:nvSpPr>
         <p:spPr>
           <a:xfrm>
-            <a:off x="0" y="1600200"/>
-            <a:ext cx="9144000" cy="4525963"/>
+            <a:off x="0" y="2084851"/>
+            <a:ext cx="12192000" cy="2404863"/>
           </a:xfrm>
         </p:spPr>
         <p:txBody>
-          <a:bodyPr>
-            <a:noAutofit/>
+          <a:bodyPr anchor="ctr">
+            <a:normAutofit/>
           </a:bodyPr>
           <a:lstStyle/>
           <a:p>
@@ -3786,15 +3938,21 @@
               <a:buNone/>
             </a:pPr>
             <a:r>
-              <a:rPr lang="zh-TW" altLang="en-US" sz="5400" b="1" dirty="0">
-                <a:latin typeface="Microsoft JhengHei" pitchFamily="34" charset="-120"/>
-                <a:ea typeface="Microsoft JhengHei" pitchFamily="34" charset="-120"/>
-              </a:rPr>
-              <a:t>我究竟算甚麼</a:t>
-            </a:r>
-            <a:endParaRPr lang="en-US" altLang="zh-TW" sz="5400" b="1" dirty="0">
-              <a:latin typeface="Microsoft JhengHei" pitchFamily="34" charset="-120"/>
-              <a:ea typeface="Microsoft JhengHei" pitchFamily="34" charset="-120"/>
+              <a:rPr lang="zh-TW" altLang="en-US" sz="6400" b="1" dirty="0">
+                <a:solidFill>
+                  <a:srgbClr val="660033"/>
+                </a:solidFill>
+                <a:latin typeface="微軟正黑體" pitchFamily="34" charset="-120"/>
+                <a:ea typeface="微軟正黑體" pitchFamily="34" charset="-120"/>
+              </a:rPr>
+              <a:t>誰還以愛驅走心裡懼怕怯懦</a:t>
+            </a:r>
+            <a:endParaRPr lang="en-US" altLang="zh-TW" sz="6400" b="1" dirty="0">
+              <a:solidFill>
+                <a:srgbClr val="660033"/>
+              </a:solidFill>
+              <a:latin typeface="微軟正黑體" pitchFamily="34" charset="-120"/>
+              <a:ea typeface="微軟正黑體" pitchFamily="34" charset="-120"/>
             </a:endParaRPr>
           </a:p>
           <a:p>
@@ -3802,15 +3960,93 @@
               <a:buNone/>
             </a:pPr>
             <a:r>
-              <a:rPr lang="zh-TW" altLang="en-US" sz="5400" b="1" dirty="0">
-                <a:latin typeface="Microsoft JhengHei" pitchFamily="34" charset="-120"/>
-                <a:ea typeface="Microsoft JhengHei" pitchFamily="34" charset="-120"/>
-              </a:rPr>
-              <a:t>神你竟這般顧念我</a:t>
-            </a:r>
-            <a:endParaRPr lang="en-US" sz="5400" b="1" dirty="0">
-              <a:latin typeface="Microsoft JhengHei" pitchFamily="34" charset="-120"/>
-              <a:ea typeface="Microsoft JhengHei" pitchFamily="34" charset="-120"/>
+              <a:rPr lang="zh-TW" altLang="en-US" sz="6400" b="1" dirty="0">
+                <a:solidFill>
+                  <a:srgbClr val="660033"/>
+                </a:solidFill>
+                <a:latin typeface="微軟正黑體" pitchFamily="34" charset="-120"/>
+                <a:ea typeface="微軟正黑體" pitchFamily="34" charset="-120"/>
+              </a:rPr>
+              <a:t>那懼路途捲動著漩渦</a:t>
+            </a:r>
+            <a:endParaRPr lang="en-US" sz="6400" b="1" dirty="0">
+              <a:solidFill>
+                <a:srgbClr val="660033"/>
+              </a:solidFill>
+              <a:latin typeface="微軟正黑體" pitchFamily="34" charset="-120"/>
+              <a:ea typeface="微軟正黑體" pitchFamily="34" charset="-120"/>
+            </a:endParaRPr>
+          </a:p>
+        </p:txBody>
+      </p:sp>
+      <p:sp>
+        <p:nvSpPr>
+          <p:cNvPr id="3" name="TextBox 2"/>
+          <p:cNvSpPr txBox="1"/>
+          <p:nvPr/>
+        </p:nvSpPr>
+        <p:spPr>
+          <a:xfrm>
+            <a:off x="0" y="5157192"/>
+            <a:ext cx="12192000" cy="646331"/>
+          </a:xfrm>
+          <a:prstGeom prst="rect">
+            <a:avLst/>
+          </a:prstGeom>
+          <a:noFill/>
+        </p:spPr>
+        <p:txBody>
+          <a:bodyPr wrap="square" rtlCol="0">
+            <a:spAutoFit/>
+          </a:bodyPr>
+          <a:lstStyle/>
+          <a:p>
+            <a:pPr algn="ctr"/>
+            <a:r>
+              <a:rPr lang="en-US" sz="3600" b="1" dirty="0">
+                <a:solidFill>
+                  <a:srgbClr val="660033"/>
+                </a:solidFill>
+                <a:latin typeface="Microsoft JhengHei" panose="020B0604030504040204" pitchFamily="34" charset="-120"/>
+                <a:ea typeface="Microsoft JhengHei" panose="020B0604030504040204" pitchFamily="34" charset="-120"/>
+              </a:rPr>
+              <a:t>( </a:t>
+            </a:r>
+            <a:r>
+              <a:rPr lang="zh-CN" altLang="en-US" sz="3600" b="1" dirty="0" smtClean="0">
+                <a:solidFill>
+                  <a:srgbClr val="660033"/>
+                </a:solidFill>
+                <a:latin typeface="Microsoft JhengHei" panose="020B0604030504040204" pitchFamily="34" charset="-120"/>
+                <a:ea typeface="Microsoft JhengHei" panose="020B0604030504040204" pitchFamily="34" charset="-120"/>
+              </a:rPr>
+              <a:t>正歌</a:t>
+            </a:r>
+            <a:r>
+              <a:rPr lang="en-US" sz="3600" b="1" dirty="0" smtClean="0">
+                <a:solidFill>
+                  <a:srgbClr val="660033"/>
+                </a:solidFill>
+                <a:latin typeface="Microsoft JhengHei" panose="020B0604030504040204" pitchFamily="34" charset="-120"/>
+                <a:ea typeface="Microsoft JhengHei" panose="020B0604030504040204" pitchFamily="34" charset="-120"/>
+              </a:rPr>
+              <a:t> </a:t>
+            </a:r>
+            <a:r>
+              <a:rPr lang="en-US" sz="3600" b="1" dirty="0">
+                <a:solidFill>
+                  <a:srgbClr val="660033"/>
+                </a:solidFill>
+                <a:latin typeface="Microsoft JhengHei" panose="020B0604030504040204" pitchFamily="34" charset="-120"/>
+                <a:ea typeface="Microsoft JhengHei" panose="020B0604030504040204" pitchFamily="34" charset="-120"/>
+              </a:rPr>
+              <a:t>)</a:t>
+            </a:r>
+            <a:endParaRPr lang="vi-VN" sz="3600" b="1" dirty="0">
+              <a:solidFill>
+                <a:srgbClr val="660033"/>
+              </a:solidFill>
+              <a:ea typeface="Microsoft JhengHei" panose="020B0604030504040204" pitchFamily="34" charset="-120"/>
             </a:endParaRPr>
           </a:p>
         </p:txBody>
@@ -3818,7 +4054,811 @@
     </p:spTree>
     <p:extLst>
       <p:ext uri="{BB962C8B-B14F-4D97-AF65-F5344CB8AC3E}">
-        <p14:creationId xmlns:p14="http://schemas.microsoft.com/office/powerpoint/2010/main" xmlns="" val="1693168392"/>
+        <p14:creationId xmlns:p14="http://schemas.microsoft.com/office/powerpoint/2010/main" val="543843857"/>
+      </p:ext>
+    </p:extLst>
+  </p:cSld>
+  <p:clrMapOvr>
+    <a:masterClrMapping/>
+  </p:clrMapOvr>
+</p:sld>
+</file>
+
+<file path=ppt/slides/slide6.xml><?xml version="1.0" encoding="utf-8"?>
+<p:sld xmlns:a="http://schemas.openxmlformats.org/drawingml/2006/main" xmlns:r="http://schemas.openxmlformats.org/officeDocument/2006/relationships" xmlns:p="http://schemas.openxmlformats.org/presentationml/2006/main">
+  <p:cSld>
+    <p:spTree>
+      <p:nvGrpSpPr>
+        <p:cNvPr id="1" name=""/>
+        <p:cNvGrpSpPr/>
+        <p:nvPr/>
+      </p:nvGrpSpPr>
+      <p:grpSpPr>
+        <a:xfrm>
+          <a:off x="0" y="0"/>
+          <a:ext cx="0" cy="0"/>
+          <a:chOff x="0" y="0"/>
+          <a:chExt cx="0" cy="0"/>
+        </a:xfrm>
+      </p:grpSpPr>
+      <p:sp>
+        <p:nvSpPr>
+          <p:cNvPr id="5" name="內容版面配置區 4"/>
+          <p:cNvSpPr>
+            <a:spLocks noGrp="1"/>
+          </p:cNvSpPr>
+          <p:nvPr>
+            <p:ph idx="1"/>
+          </p:nvPr>
+        </p:nvSpPr>
+        <p:spPr>
+          <a:xfrm>
+            <a:off x="0" y="2084851"/>
+            <a:ext cx="12192000" cy="2404863"/>
+          </a:xfrm>
+        </p:spPr>
+        <p:txBody>
+          <a:bodyPr anchor="ctr">
+            <a:normAutofit/>
+          </a:bodyPr>
+          <a:lstStyle/>
+          <a:p>
+            <a:pPr marL="0" indent="0" algn="ctr">
+              <a:buNone/>
+            </a:pPr>
+            <a:r>
+              <a:rPr lang="zh-TW" altLang="en-US" sz="6400" b="1" dirty="0" smtClean="0">
+                <a:solidFill>
+                  <a:srgbClr val="660033"/>
+                </a:solidFill>
+                <a:latin typeface="微軟正黑體" pitchFamily="34" charset="-120"/>
+                <a:ea typeface="微軟正黑體" pitchFamily="34" charset="-120"/>
+              </a:rPr>
+              <a:t>因</a:t>
+            </a:r>
+            <a:r>
+              <a:rPr lang="zh-CN" altLang="en-US" sz="6400" b="1" dirty="0" smtClean="0">
+                <a:solidFill>
+                  <a:srgbClr val="660033"/>
+                </a:solidFill>
+                <a:latin typeface="微軟正黑體" pitchFamily="34" charset="-120"/>
+                <a:ea typeface="微軟正黑體" pitchFamily="34" charset="-120"/>
+              </a:rPr>
+              <a:t>袮</a:t>
+            </a:r>
+            <a:r>
+              <a:rPr lang="zh-TW" altLang="en-US" sz="6400" b="1" dirty="0" smtClean="0">
+                <a:solidFill>
+                  <a:srgbClr val="660033"/>
+                </a:solidFill>
+                <a:latin typeface="微軟正黑體" pitchFamily="34" charset="-120"/>
+                <a:ea typeface="微軟正黑體" pitchFamily="34" charset="-120"/>
+              </a:rPr>
+              <a:t>是</a:t>
+            </a:r>
+            <a:r>
+              <a:rPr lang="zh-TW" altLang="en-US" sz="6400" b="1" dirty="0">
+                <a:solidFill>
+                  <a:srgbClr val="660033"/>
+                </a:solidFill>
+                <a:latin typeface="微軟正黑體" pitchFamily="34" charset="-120"/>
+                <a:ea typeface="微軟正黑體" pitchFamily="34" charset="-120"/>
+              </a:rPr>
+              <a:t>我主我避難所</a:t>
+            </a:r>
+            <a:endParaRPr lang="en-US" altLang="zh-TW" sz="6400" b="1" dirty="0">
+              <a:solidFill>
+                <a:srgbClr val="660033"/>
+              </a:solidFill>
+              <a:latin typeface="微軟正黑體" pitchFamily="34" charset="-120"/>
+              <a:ea typeface="微軟正黑體" pitchFamily="34" charset="-120"/>
+            </a:endParaRPr>
+          </a:p>
+          <a:p>
+            <a:pPr marL="0" indent="0" algn="ctr">
+              <a:buNone/>
+            </a:pPr>
+            <a:r>
+              <a:rPr lang="zh-TW" altLang="en-US" sz="6400" b="1" dirty="0">
+                <a:solidFill>
+                  <a:srgbClr val="660033"/>
+                </a:solidFill>
+                <a:latin typeface="微軟正黑體" pitchFamily="34" charset="-120"/>
+                <a:ea typeface="微軟正黑體" pitchFamily="34" charset="-120"/>
+              </a:rPr>
+              <a:t>我盾牌和詩歌</a:t>
+            </a:r>
+            <a:endParaRPr lang="en-US" altLang="zh-TW" sz="6400" b="1" dirty="0">
+              <a:solidFill>
+                <a:srgbClr val="660033"/>
+              </a:solidFill>
+              <a:latin typeface="微軟正黑體" pitchFamily="34" charset="-120"/>
+              <a:ea typeface="微軟正黑體" pitchFamily="34" charset="-120"/>
+            </a:endParaRPr>
+          </a:p>
+        </p:txBody>
+      </p:sp>
+      <p:sp>
+        <p:nvSpPr>
+          <p:cNvPr id="3" name="TextBox 2"/>
+          <p:cNvSpPr txBox="1"/>
+          <p:nvPr/>
+        </p:nvSpPr>
+        <p:spPr>
+          <a:xfrm>
+            <a:off x="0" y="5157192"/>
+            <a:ext cx="12192000" cy="646331"/>
+          </a:xfrm>
+          <a:prstGeom prst="rect">
+            <a:avLst/>
+          </a:prstGeom>
+          <a:noFill/>
+        </p:spPr>
+        <p:txBody>
+          <a:bodyPr wrap="square" rtlCol="0">
+            <a:spAutoFit/>
+          </a:bodyPr>
+          <a:lstStyle/>
+          <a:p>
+            <a:pPr algn="ctr"/>
+            <a:r>
+              <a:rPr lang="en-US" sz="3600" b="1" dirty="0">
+                <a:solidFill>
+                  <a:srgbClr val="660033"/>
+                </a:solidFill>
+                <a:latin typeface="Microsoft JhengHei" panose="020B0604030504040204" pitchFamily="34" charset="-120"/>
+                <a:ea typeface="Microsoft JhengHei" panose="020B0604030504040204" pitchFamily="34" charset="-120"/>
+              </a:rPr>
+              <a:t>( </a:t>
+            </a:r>
+            <a:r>
+              <a:rPr lang="zh-CN" altLang="en-US" sz="3600" b="1" dirty="0" smtClean="0">
+                <a:solidFill>
+                  <a:srgbClr val="660033"/>
+                </a:solidFill>
+                <a:latin typeface="Microsoft JhengHei" panose="020B0604030504040204" pitchFamily="34" charset="-120"/>
+                <a:ea typeface="Microsoft JhengHei" panose="020B0604030504040204" pitchFamily="34" charset="-120"/>
+              </a:rPr>
+              <a:t>副歌</a:t>
+            </a:r>
+            <a:r>
+              <a:rPr lang="en-US" sz="3600" b="1" dirty="0" smtClean="0">
+                <a:solidFill>
+                  <a:srgbClr val="660033"/>
+                </a:solidFill>
+                <a:latin typeface="Microsoft JhengHei" panose="020B0604030504040204" pitchFamily="34" charset="-120"/>
+                <a:ea typeface="Microsoft JhengHei" panose="020B0604030504040204" pitchFamily="34" charset="-120"/>
+              </a:rPr>
+              <a:t> </a:t>
+            </a:r>
+            <a:r>
+              <a:rPr lang="en-US" sz="3600" b="1" dirty="0">
+                <a:solidFill>
+                  <a:srgbClr val="660033"/>
+                </a:solidFill>
+                <a:latin typeface="Microsoft JhengHei" panose="020B0604030504040204" pitchFamily="34" charset="-120"/>
+                <a:ea typeface="Microsoft JhengHei" panose="020B0604030504040204" pitchFamily="34" charset="-120"/>
+              </a:rPr>
+              <a:t>)</a:t>
+            </a:r>
+            <a:endParaRPr lang="vi-VN" sz="3600" b="1" dirty="0">
+              <a:solidFill>
+                <a:srgbClr val="660033"/>
+              </a:solidFill>
+              <a:ea typeface="Microsoft JhengHei" panose="020B0604030504040204" pitchFamily="34" charset="-120"/>
+            </a:endParaRPr>
+          </a:p>
+        </p:txBody>
+      </p:sp>
+    </p:spTree>
+    <p:extLst>
+      <p:ext uri="{BB962C8B-B14F-4D97-AF65-F5344CB8AC3E}">
+        <p14:creationId xmlns:p14="http://schemas.microsoft.com/office/powerpoint/2010/main" val="1716449859"/>
+      </p:ext>
+    </p:extLst>
+  </p:cSld>
+  <p:clrMapOvr>
+    <a:masterClrMapping/>
+  </p:clrMapOvr>
+</p:sld>
+</file>
+
+<file path=ppt/slides/slide7.xml><?xml version="1.0" encoding="utf-8"?>
+<p:sld xmlns:a="http://schemas.openxmlformats.org/drawingml/2006/main" xmlns:r="http://schemas.openxmlformats.org/officeDocument/2006/relationships" xmlns:p="http://schemas.openxmlformats.org/presentationml/2006/main">
+  <p:cSld>
+    <p:spTree>
+      <p:nvGrpSpPr>
+        <p:cNvPr id="1" name=""/>
+        <p:cNvGrpSpPr/>
+        <p:nvPr/>
+      </p:nvGrpSpPr>
+      <p:grpSpPr>
+        <a:xfrm>
+          <a:off x="0" y="0"/>
+          <a:ext cx="0" cy="0"/>
+          <a:chOff x="0" y="0"/>
+          <a:chExt cx="0" cy="0"/>
+        </a:xfrm>
+      </p:grpSpPr>
+      <p:sp>
+        <p:nvSpPr>
+          <p:cNvPr id="5" name="內容版面配置區 4"/>
+          <p:cNvSpPr>
+            <a:spLocks noGrp="1"/>
+          </p:cNvSpPr>
+          <p:nvPr>
+            <p:ph idx="1"/>
+          </p:nvPr>
+        </p:nvSpPr>
+        <p:spPr>
+          <a:xfrm>
+            <a:off x="0" y="2084851"/>
+            <a:ext cx="12192000" cy="2404863"/>
+          </a:xfrm>
+        </p:spPr>
+        <p:txBody>
+          <a:bodyPr anchor="ctr">
+            <a:normAutofit/>
+          </a:bodyPr>
+          <a:lstStyle/>
+          <a:p>
+            <a:pPr marL="0" indent="0" algn="ctr">
+              <a:buNone/>
+            </a:pPr>
+            <a:r>
+              <a:rPr lang="zh-CN" altLang="en-US" sz="6400" b="1" dirty="0">
+                <a:solidFill>
+                  <a:srgbClr val="660033"/>
+                </a:solidFill>
+                <a:latin typeface="微軟正黑體" pitchFamily="34" charset="-120"/>
+                <a:ea typeface="微軟正黑體" pitchFamily="34" charset="-120"/>
+              </a:rPr>
+              <a:t>袮</a:t>
+            </a:r>
+            <a:r>
+              <a:rPr lang="zh-TW" altLang="en-US" sz="6400" b="1" dirty="0" smtClean="0">
+                <a:solidFill>
+                  <a:srgbClr val="660033"/>
+                </a:solidFill>
+                <a:latin typeface="微軟正黑體" pitchFamily="34" charset="-120"/>
+                <a:ea typeface="微軟正黑體" pitchFamily="34" charset="-120"/>
+              </a:rPr>
+              <a:t>是</a:t>
+            </a:r>
+            <a:r>
+              <a:rPr lang="zh-TW" altLang="en-US" sz="6400" b="1" dirty="0">
+                <a:solidFill>
+                  <a:srgbClr val="660033"/>
+                </a:solidFill>
+                <a:latin typeface="微軟正黑體" pitchFamily="34" charset="-120"/>
+                <a:ea typeface="微軟正黑體" pitchFamily="34" charset="-120"/>
+              </a:rPr>
+              <a:t>我的高臺我隨時幫助</a:t>
+            </a:r>
+            <a:endParaRPr lang="en-US" sz="6400" b="1" dirty="0">
+              <a:solidFill>
+                <a:srgbClr val="660033"/>
+              </a:solidFill>
+              <a:latin typeface="微軟正黑體" pitchFamily="34" charset="-120"/>
+              <a:ea typeface="微軟正黑體" pitchFamily="34" charset="-120"/>
+            </a:endParaRPr>
+          </a:p>
+        </p:txBody>
+      </p:sp>
+      <p:sp>
+        <p:nvSpPr>
+          <p:cNvPr id="3" name="TextBox 2"/>
+          <p:cNvSpPr txBox="1"/>
+          <p:nvPr/>
+        </p:nvSpPr>
+        <p:spPr>
+          <a:xfrm>
+            <a:off x="0" y="5157192"/>
+            <a:ext cx="12192000" cy="646331"/>
+          </a:xfrm>
+          <a:prstGeom prst="rect">
+            <a:avLst/>
+          </a:prstGeom>
+          <a:noFill/>
+        </p:spPr>
+        <p:txBody>
+          <a:bodyPr wrap="square" rtlCol="0">
+            <a:spAutoFit/>
+          </a:bodyPr>
+          <a:lstStyle/>
+          <a:p>
+            <a:pPr algn="ctr"/>
+            <a:r>
+              <a:rPr lang="en-US" sz="3600" b="1" dirty="0">
+                <a:solidFill>
+                  <a:srgbClr val="660033"/>
+                </a:solidFill>
+                <a:latin typeface="Microsoft JhengHei" panose="020B0604030504040204" pitchFamily="34" charset="-120"/>
+                <a:ea typeface="Microsoft JhengHei" panose="020B0604030504040204" pitchFamily="34" charset="-120"/>
+              </a:rPr>
+              <a:t>( </a:t>
+            </a:r>
+            <a:r>
+              <a:rPr lang="zh-CN" altLang="en-US" sz="3600" b="1" dirty="0" smtClean="0">
+                <a:solidFill>
+                  <a:srgbClr val="660033"/>
+                </a:solidFill>
+                <a:latin typeface="Microsoft JhengHei" panose="020B0604030504040204" pitchFamily="34" charset="-120"/>
+                <a:ea typeface="Microsoft JhengHei" panose="020B0604030504040204" pitchFamily="34" charset="-120"/>
+              </a:rPr>
+              <a:t>副歌</a:t>
+            </a:r>
+            <a:r>
+              <a:rPr lang="en-US" sz="3600" b="1" dirty="0" smtClean="0">
+                <a:solidFill>
+                  <a:srgbClr val="660033"/>
+                </a:solidFill>
+                <a:latin typeface="Microsoft JhengHei" panose="020B0604030504040204" pitchFamily="34" charset="-120"/>
+                <a:ea typeface="Microsoft JhengHei" panose="020B0604030504040204" pitchFamily="34" charset="-120"/>
+              </a:rPr>
+              <a:t> </a:t>
+            </a:r>
+            <a:r>
+              <a:rPr lang="en-US" sz="3600" b="1" dirty="0">
+                <a:solidFill>
+                  <a:srgbClr val="660033"/>
+                </a:solidFill>
+                <a:latin typeface="Microsoft JhengHei" panose="020B0604030504040204" pitchFamily="34" charset="-120"/>
+                <a:ea typeface="Microsoft JhengHei" panose="020B0604030504040204" pitchFamily="34" charset="-120"/>
+              </a:rPr>
+              <a:t>)</a:t>
+            </a:r>
+            <a:endParaRPr lang="vi-VN" sz="3600" b="1" dirty="0">
+              <a:solidFill>
+                <a:srgbClr val="660033"/>
+              </a:solidFill>
+              <a:ea typeface="Microsoft JhengHei" panose="020B0604030504040204" pitchFamily="34" charset="-120"/>
+            </a:endParaRPr>
+          </a:p>
+        </p:txBody>
+      </p:sp>
+    </p:spTree>
+    <p:extLst>
+      <p:ext uri="{BB962C8B-B14F-4D97-AF65-F5344CB8AC3E}">
+        <p14:creationId xmlns:p14="http://schemas.microsoft.com/office/powerpoint/2010/main" val="1308524583"/>
+      </p:ext>
+    </p:extLst>
+  </p:cSld>
+  <p:clrMapOvr>
+    <a:masterClrMapping/>
+  </p:clrMapOvr>
+</p:sld>
+</file>
+
+<file path=ppt/slides/slide8.xml><?xml version="1.0" encoding="utf-8"?>
+<p:sld xmlns:a="http://schemas.openxmlformats.org/drawingml/2006/main" xmlns:r="http://schemas.openxmlformats.org/officeDocument/2006/relationships" xmlns:p="http://schemas.openxmlformats.org/presentationml/2006/main">
+  <p:cSld>
+    <p:spTree>
+      <p:nvGrpSpPr>
+        <p:cNvPr id="1" name=""/>
+        <p:cNvGrpSpPr/>
+        <p:nvPr/>
+      </p:nvGrpSpPr>
+      <p:grpSpPr>
+        <a:xfrm>
+          <a:off x="0" y="0"/>
+          <a:ext cx="0" cy="0"/>
+          <a:chOff x="0" y="0"/>
+          <a:chExt cx="0" cy="0"/>
+        </a:xfrm>
+      </p:grpSpPr>
+      <p:sp>
+        <p:nvSpPr>
+          <p:cNvPr id="5" name="內容版面配置區 4"/>
+          <p:cNvSpPr>
+            <a:spLocks noGrp="1"/>
+          </p:cNvSpPr>
+          <p:nvPr>
+            <p:ph idx="1"/>
+          </p:nvPr>
+        </p:nvSpPr>
+        <p:spPr>
+          <a:xfrm>
+            <a:off x="0" y="2084851"/>
+            <a:ext cx="12192000" cy="2404863"/>
+          </a:xfrm>
+        </p:spPr>
+        <p:txBody>
+          <a:bodyPr anchor="ctr">
+            <a:normAutofit/>
+          </a:bodyPr>
+          <a:lstStyle/>
+          <a:p>
+            <a:pPr marL="0" indent="0" algn="ctr">
+              <a:buNone/>
+            </a:pPr>
+            <a:r>
+              <a:rPr lang="zh-TW" altLang="en-US" sz="6400" b="1" dirty="0">
+                <a:solidFill>
+                  <a:srgbClr val="660033"/>
+                </a:solidFill>
+                <a:latin typeface="微軟正黑體" pitchFamily="34" charset="-120"/>
+                <a:ea typeface="微軟正黑體" pitchFamily="34" charset="-120"/>
+              </a:rPr>
+              <a:t>來</a:t>
+            </a:r>
+            <a:r>
+              <a:rPr lang="zh-TW" altLang="en-US" sz="6400" b="1" dirty="0">
+                <a:solidFill>
+                  <a:srgbClr val="660033"/>
+                </a:solidFill>
+                <a:latin typeface="微軟正黑體" pitchFamily="34" charset="-120"/>
+                <a:ea typeface="微軟正黑體" pitchFamily="34" charset="-120"/>
+              </a:rPr>
+              <a:t>吧用</a:t>
+            </a:r>
+            <a:r>
+              <a:rPr lang="zh-TW" altLang="en-US" sz="6400" b="1" dirty="0">
+                <a:solidFill>
+                  <a:srgbClr val="660033"/>
+                </a:solidFill>
+                <a:latin typeface="微軟正黑體" pitchFamily="34" charset="-120"/>
+                <a:ea typeface="微軟正黑體" pitchFamily="34" charset="-120"/>
+              </a:rPr>
+              <a:t>信心讚頌和高歌</a:t>
+            </a:r>
+            <a:endParaRPr lang="en-US" altLang="zh-TW" sz="6400" b="1" dirty="0">
+              <a:solidFill>
+                <a:srgbClr val="660033"/>
+              </a:solidFill>
+              <a:latin typeface="微軟正黑體" pitchFamily="34" charset="-120"/>
+              <a:ea typeface="微軟正黑體" pitchFamily="34" charset="-120"/>
+            </a:endParaRPr>
+          </a:p>
+          <a:p>
+            <a:pPr marL="0" indent="0" algn="ctr">
+              <a:buNone/>
+            </a:pPr>
+            <a:r>
+              <a:rPr lang="zh-CN" altLang="en-US" sz="6400" b="1" dirty="0">
+                <a:solidFill>
+                  <a:srgbClr val="660033"/>
+                </a:solidFill>
+                <a:latin typeface="微軟正黑體" pitchFamily="34" charset="-120"/>
+                <a:ea typeface="微軟正黑體" pitchFamily="34" charset="-120"/>
+              </a:rPr>
+              <a:t>袮</a:t>
+            </a:r>
+            <a:r>
+              <a:rPr lang="zh-TW" altLang="en-US" sz="6400" b="1" dirty="0" smtClean="0">
+                <a:solidFill>
+                  <a:srgbClr val="660033"/>
+                </a:solidFill>
+                <a:latin typeface="微軟正黑體" pitchFamily="34" charset="-120"/>
+                <a:ea typeface="微軟正黑體" pitchFamily="34" charset="-120"/>
+              </a:rPr>
+              <a:t>永</a:t>
+            </a:r>
+            <a:r>
+              <a:rPr lang="zh-TW" altLang="en-US" sz="6400" b="1" dirty="0">
+                <a:solidFill>
+                  <a:srgbClr val="660033"/>
+                </a:solidFill>
+                <a:latin typeface="微軟正黑體" pitchFamily="34" charset="-120"/>
+                <a:ea typeface="微軟正黑體" pitchFamily="34" charset="-120"/>
+              </a:rPr>
+              <a:t>在我心窩</a:t>
+            </a:r>
+            <a:endParaRPr lang="en-US" altLang="zh-TW" sz="6400" b="1" dirty="0">
+              <a:solidFill>
+                <a:srgbClr val="660033"/>
+              </a:solidFill>
+              <a:latin typeface="微軟正黑體" pitchFamily="34" charset="-120"/>
+              <a:ea typeface="微軟正黑體" pitchFamily="34" charset="-120"/>
+            </a:endParaRPr>
+          </a:p>
+        </p:txBody>
+      </p:sp>
+      <p:sp>
+        <p:nvSpPr>
+          <p:cNvPr id="3" name="TextBox 2"/>
+          <p:cNvSpPr txBox="1"/>
+          <p:nvPr/>
+        </p:nvSpPr>
+        <p:spPr>
+          <a:xfrm>
+            <a:off x="0" y="5157192"/>
+            <a:ext cx="12192000" cy="646331"/>
+          </a:xfrm>
+          <a:prstGeom prst="rect">
+            <a:avLst/>
+          </a:prstGeom>
+          <a:noFill/>
+        </p:spPr>
+        <p:txBody>
+          <a:bodyPr wrap="square" rtlCol="0">
+            <a:spAutoFit/>
+          </a:bodyPr>
+          <a:lstStyle/>
+          <a:p>
+            <a:pPr algn="ctr"/>
+            <a:r>
+              <a:rPr lang="en-US" sz="3600" b="1" dirty="0">
+                <a:solidFill>
+                  <a:srgbClr val="660033"/>
+                </a:solidFill>
+                <a:latin typeface="Microsoft JhengHei" panose="020B0604030504040204" pitchFamily="34" charset="-120"/>
+                <a:ea typeface="Microsoft JhengHei" panose="020B0604030504040204" pitchFamily="34" charset="-120"/>
+              </a:rPr>
+              <a:t>( </a:t>
+            </a:r>
+            <a:r>
+              <a:rPr lang="zh-CN" altLang="en-US" sz="3600" b="1" dirty="0" smtClean="0">
+                <a:solidFill>
+                  <a:srgbClr val="660033"/>
+                </a:solidFill>
+                <a:latin typeface="Microsoft JhengHei" panose="020B0604030504040204" pitchFamily="34" charset="-120"/>
+                <a:ea typeface="Microsoft JhengHei" panose="020B0604030504040204" pitchFamily="34" charset="-120"/>
+              </a:rPr>
+              <a:t>副歌</a:t>
+            </a:r>
+            <a:r>
+              <a:rPr lang="en-US" sz="3600" b="1" dirty="0" smtClean="0">
+                <a:solidFill>
+                  <a:srgbClr val="660033"/>
+                </a:solidFill>
+                <a:latin typeface="Microsoft JhengHei" panose="020B0604030504040204" pitchFamily="34" charset="-120"/>
+                <a:ea typeface="Microsoft JhengHei" panose="020B0604030504040204" pitchFamily="34" charset="-120"/>
+              </a:rPr>
+              <a:t> </a:t>
+            </a:r>
+            <a:r>
+              <a:rPr lang="en-US" sz="3600" b="1" dirty="0">
+                <a:solidFill>
+                  <a:srgbClr val="660033"/>
+                </a:solidFill>
+                <a:latin typeface="Microsoft JhengHei" panose="020B0604030504040204" pitchFamily="34" charset="-120"/>
+                <a:ea typeface="Microsoft JhengHei" panose="020B0604030504040204" pitchFamily="34" charset="-120"/>
+              </a:rPr>
+              <a:t>)</a:t>
+            </a:r>
+            <a:endParaRPr lang="vi-VN" sz="3600" b="1" dirty="0">
+              <a:solidFill>
+                <a:srgbClr val="660033"/>
+              </a:solidFill>
+              <a:ea typeface="Microsoft JhengHei" panose="020B0604030504040204" pitchFamily="34" charset="-120"/>
+            </a:endParaRPr>
+          </a:p>
+        </p:txBody>
+      </p:sp>
+    </p:spTree>
+    <p:extLst>
+      <p:ext uri="{BB962C8B-B14F-4D97-AF65-F5344CB8AC3E}">
+        <p14:creationId xmlns:p14="http://schemas.microsoft.com/office/powerpoint/2010/main" val="1434873064"/>
+      </p:ext>
+    </p:extLst>
+  </p:cSld>
+  <p:clrMapOvr>
+    <a:masterClrMapping/>
+  </p:clrMapOvr>
+</p:sld>
+</file>
+
+<file path=ppt/slides/slide9.xml><?xml version="1.0" encoding="utf-8"?>
+<p:sld xmlns:a="http://schemas.openxmlformats.org/drawingml/2006/main" xmlns:r="http://schemas.openxmlformats.org/officeDocument/2006/relationships" xmlns:p="http://schemas.openxmlformats.org/presentationml/2006/main">
+  <p:cSld>
+    <p:spTree>
+      <p:nvGrpSpPr>
+        <p:cNvPr id="1" name=""/>
+        <p:cNvGrpSpPr/>
+        <p:nvPr/>
+      </p:nvGrpSpPr>
+      <p:grpSpPr>
+        <a:xfrm>
+          <a:off x="0" y="0"/>
+          <a:ext cx="0" cy="0"/>
+          <a:chOff x="0" y="0"/>
+          <a:chExt cx="0" cy="0"/>
+        </a:xfrm>
+      </p:grpSpPr>
+      <p:sp>
+        <p:nvSpPr>
+          <p:cNvPr id="5" name="內容版面配置區 4"/>
+          <p:cNvSpPr>
+            <a:spLocks noGrp="1"/>
+          </p:cNvSpPr>
+          <p:nvPr>
+            <p:ph idx="1"/>
+          </p:nvPr>
+        </p:nvSpPr>
+        <p:spPr>
+          <a:xfrm>
+            <a:off x="0" y="2084851"/>
+            <a:ext cx="12192000" cy="2404863"/>
+          </a:xfrm>
+        </p:spPr>
+        <p:txBody>
+          <a:bodyPr anchor="ctr">
+            <a:normAutofit/>
+          </a:bodyPr>
+          <a:lstStyle/>
+          <a:p>
+            <a:pPr marL="0" indent="0" algn="ctr">
+              <a:buNone/>
+            </a:pPr>
+            <a:r>
+              <a:rPr lang="zh-TW" altLang="en-US" sz="6400" b="1" dirty="0" smtClean="0">
+                <a:solidFill>
+                  <a:srgbClr val="660033"/>
+                </a:solidFill>
+                <a:latin typeface="微軟正黑體" pitchFamily="34" charset="-120"/>
+                <a:ea typeface="微軟正黑體" pitchFamily="34" charset="-120"/>
+              </a:rPr>
+              <a:t>唯</a:t>
+            </a:r>
+            <a:r>
+              <a:rPr lang="zh-CN" altLang="en-US" sz="6400" b="1" dirty="0">
+                <a:solidFill>
+                  <a:srgbClr val="660033"/>
+                </a:solidFill>
+                <a:latin typeface="微軟正黑體" pitchFamily="34" charset="-120"/>
+                <a:ea typeface="微軟正黑體" pitchFamily="34" charset="-120"/>
+              </a:rPr>
+              <a:t>袮</a:t>
+            </a:r>
+            <a:r>
+              <a:rPr lang="zh-TW" altLang="en-US" sz="6400" b="1" dirty="0" smtClean="0">
+                <a:solidFill>
+                  <a:srgbClr val="660033"/>
+                </a:solidFill>
+                <a:latin typeface="微軟正黑體" pitchFamily="34" charset="-120"/>
+                <a:ea typeface="微軟正黑體" pitchFamily="34" charset="-120"/>
+              </a:rPr>
+              <a:t>有</a:t>
+            </a:r>
+            <a:r>
+              <a:rPr lang="zh-TW" altLang="en-US" sz="6400" b="1" dirty="0">
+                <a:solidFill>
+                  <a:srgbClr val="660033"/>
+                </a:solidFill>
+                <a:latin typeface="微軟正黑體" pitchFamily="34" charset="-120"/>
+                <a:ea typeface="微軟正黑體" pitchFamily="34" charset="-120"/>
+              </a:rPr>
+              <a:t>永生江河</a:t>
+            </a:r>
+            <a:endParaRPr lang="en-US" altLang="zh-TW" sz="6400" b="1" dirty="0">
+              <a:solidFill>
+                <a:srgbClr val="660033"/>
+              </a:solidFill>
+              <a:latin typeface="微軟正黑體" pitchFamily="34" charset="-120"/>
+              <a:ea typeface="微軟正黑體" pitchFamily="34" charset="-120"/>
+            </a:endParaRPr>
+          </a:p>
+          <a:p>
+            <a:pPr marL="0" indent="0" algn="ctr">
+              <a:buNone/>
+            </a:pPr>
+            <a:r>
+              <a:rPr lang="zh-TW" altLang="en-US" sz="6400" b="1" dirty="0" smtClean="0">
+                <a:solidFill>
+                  <a:srgbClr val="660033"/>
+                </a:solidFill>
+                <a:latin typeface="微軟正黑體" pitchFamily="34" charset="-120"/>
+                <a:ea typeface="微軟正黑體" pitchFamily="34" charset="-120"/>
+              </a:rPr>
+              <a:t>除</a:t>
+            </a:r>
+            <a:r>
+              <a:rPr lang="zh-CN" altLang="en-US" sz="6400" b="1" dirty="0">
+                <a:solidFill>
+                  <a:srgbClr val="660033"/>
+                </a:solidFill>
+                <a:latin typeface="微軟正黑體" pitchFamily="34" charset="-120"/>
+                <a:ea typeface="微軟正黑體" pitchFamily="34" charset="-120"/>
+              </a:rPr>
+              <a:t>袮</a:t>
+            </a:r>
+            <a:r>
+              <a:rPr lang="zh-TW" altLang="en-US" sz="6400" b="1" dirty="0" smtClean="0">
+                <a:solidFill>
+                  <a:srgbClr val="660033"/>
+                </a:solidFill>
+                <a:latin typeface="微軟正黑體" pitchFamily="34" charset="-120"/>
+                <a:ea typeface="微軟正黑體" pitchFamily="34" charset="-120"/>
+              </a:rPr>
+              <a:t>以</a:t>
+            </a:r>
+            <a:r>
+              <a:rPr lang="zh-TW" altLang="en-US" sz="6400" b="1" dirty="0">
+                <a:solidFill>
+                  <a:srgbClr val="660033"/>
+                </a:solidFill>
+                <a:latin typeface="微軟正黑體" pitchFamily="34" charset="-120"/>
+                <a:ea typeface="微軟正黑體" pitchFamily="34" charset="-120"/>
+              </a:rPr>
+              <a:t>外不倚靠別個</a:t>
+            </a:r>
+            <a:endParaRPr lang="en-US" sz="6400" b="1" dirty="0">
+              <a:solidFill>
+                <a:srgbClr val="660033"/>
+              </a:solidFill>
+              <a:latin typeface="微軟正黑體" pitchFamily="34" charset="-120"/>
+              <a:ea typeface="微軟正黑體" pitchFamily="34" charset="-120"/>
+            </a:endParaRPr>
+          </a:p>
+        </p:txBody>
+      </p:sp>
+      <p:sp>
+        <p:nvSpPr>
+          <p:cNvPr id="3" name="TextBox 2"/>
+          <p:cNvSpPr txBox="1"/>
+          <p:nvPr/>
+        </p:nvSpPr>
+        <p:spPr>
+          <a:xfrm>
+            <a:off x="0" y="5157192"/>
+            <a:ext cx="12192000" cy="646331"/>
+          </a:xfrm>
+          <a:prstGeom prst="rect">
+            <a:avLst/>
+          </a:prstGeom>
+          <a:noFill/>
+        </p:spPr>
+        <p:txBody>
+          <a:bodyPr wrap="square" rtlCol="0">
+            <a:spAutoFit/>
+          </a:bodyPr>
+          <a:lstStyle/>
+          <a:p>
+            <a:pPr algn="ctr"/>
+            <a:r>
+              <a:rPr lang="en-US" sz="3600" b="1" dirty="0">
+                <a:solidFill>
+                  <a:srgbClr val="660033"/>
+                </a:solidFill>
+                <a:latin typeface="Microsoft JhengHei" panose="020B0604030504040204" pitchFamily="34" charset="-120"/>
+                <a:ea typeface="Microsoft JhengHei" panose="020B0604030504040204" pitchFamily="34" charset="-120"/>
+              </a:rPr>
+              <a:t>( </a:t>
+            </a:r>
+            <a:r>
+              <a:rPr lang="zh-CN" altLang="en-US" sz="3600" b="1" dirty="0" smtClean="0">
+                <a:solidFill>
+                  <a:srgbClr val="660033"/>
+                </a:solidFill>
+                <a:latin typeface="Microsoft JhengHei" panose="020B0604030504040204" pitchFamily="34" charset="-120"/>
+                <a:ea typeface="Microsoft JhengHei" panose="020B0604030504040204" pitchFamily="34" charset="-120"/>
+              </a:rPr>
+              <a:t>副歌</a:t>
+            </a:r>
+            <a:r>
+              <a:rPr lang="en-US" sz="3600" b="1" dirty="0" smtClean="0">
+                <a:solidFill>
+                  <a:srgbClr val="660033"/>
+                </a:solidFill>
+                <a:latin typeface="Microsoft JhengHei" panose="020B0604030504040204" pitchFamily="34" charset="-120"/>
+                <a:ea typeface="Microsoft JhengHei" panose="020B0604030504040204" pitchFamily="34" charset="-120"/>
+              </a:rPr>
+              <a:t> </a:t>
+            </a:r>
+            <a:r>
+              <a:rPr lang="en-US" sz="3600" b="1" dirty="0">
+                <a:solidFill>
+                  <a:srgbClr val="660033"/>
+                </a:solidFill>
+                <a:latin typeface="Microsoft JhengHei" panose="020B0604030504040204" pitchFamily="34" charset="-120"/>
+                <a:ea typeface="Microsoft JhengHei" panose="020B0604030504040204" pitchFamily="34" charset="-120"/>
+              </a:rPr>
+              <a:t>)</a:t>
+            </a:r>
+            <a:endParaRPr lang="vi-VN" sz="3600" b="1" dirty="0">
+              <a:solidFill>
+                <a:srgbClr val="660033"/>
+              </a:solidFill>
+              <a:ea typeface="Microsoft JhengHei" panose="020B0604030504040204" pitchFamily="34" charset="-120"/>
+            </a:endParaRPr>
+          </a:p>
+        </p:txBody>
+      </p:sp>
+    </p:spTree>
+    <p:extLst>
+      <p:ext uri="{BB962C8B-B14F-4D97-AF65-F5344CB8AC3E}">
+        <p14:creationId xmlns:p14="http://schemas.microsoft.com/office/powerpoint/2010/main" val="1073194556"/>
       </p:ext>
     </p:extLst>
   </p:cSld>
